--- a/Наработки/диздоки/Албания/Албания.pptx
+++ b/Наработки/диздоки/Албания/Албания.pptx
@@ -109,7 +109,7 @@
   </p:defaultTextStyle>
   <p:extLst>
     <p:ext uri="{EFAFB233-063F-42B5-8137-9DF3F51BA10A}">
-      <p15:sldGuideLst xmlns="" xmlns:p15="http://schemas.microsoft.com/office/powerpoint/2012/main">
+      <p15:sldGuideLst xmlns:p15="http://schemas.microsoft.com/office/powerpoint/2012/main">
         <p15:guide id="1" orient="horz" pos="11344">
           <p15:clr>
             <a:srgbClr val="A4A3A4"/>
@@ -209,7 +209,7 @@
             <a:fld id="{33E3D7F9-E251-484C-A6FF-FA958879DF69}" type="datetimeFigureOut">
               <a:rPr lang="ru-RU" smtClean="0"/>
               <a:pPr/>
-              <a:t>10.06.2021</a:t>
+              <a:t>24.07.2021</a:t>
             </a:fld>
             <a:endParaRPr lang="ru-RU"/>
           </a:p>
@@ -378,7 +378,7 @@
     </p:spTree>
     <p:extLst>
       <p:ext uri="{BB962C8B-B14F-4D97-AF65-F5344CB8AC3E}">
-        <p14:creationId xmlns="" xmlns:p14="http://schemas.microsoft.com/office/powerpoint/2010/main" val="1928360652"/>
+        <p14:creationId xmlns:p14="http://schemas.microsoft.com/office/powerpoint/2010/main" val="1928360652"/>
       </p:ext>
     </p:extLst>
   </p:cSld>
@@ -558,7 +558,7 @@
     </p:spTree>
     <p:extLst>
       <p:ext uri="{BB962C8B-B14F-4D97-AF65-F5344CB8AC3E}">
-        <p14:creationId xmlns="" xmlns:p14="http://schemas.microsoft.com/office/powerpoint/2010/main" val="2397767120"/>
+        <p14:creationId xmlns:p14="http://schemas.microsoft.com/office/powerpoint/2010/main" val="2397767120"/>
       </p:ext>
     </p:extLst>
   </p:cSld>
@@ -700,7 +700,7 @@
             <a:fld id="{85A5DE44-605B-4D3B-B2B7-94543DF81A36}" type="datetimeFigureOut">
               <a:rPr lang="ru-RU" smtClean="0"/>
               <a:pPr/>
-              <a:t>10.06.2021</a:t>
+              <a:t>24.07.2021</a:t>
             </a:fld>
             <a:endParaRPr lang="ru-RU"/>
           </a:p>
@@ -752,7 +752,7 @@
     </p:spTree>
     <p:extLst>
       <p:ext uri="{BB962C8B-B14F-4D97-AF65-F5344CB8AC3E}">
-        <p14:creationId xmlns="" xmlns:p14="http://schemas.microsoft.com/office/powerpoint/2010/main" val="1201854712"/>
+        <p14:creationId xmlns:p14="http://schemas.microsoft.com/office/powerpoint/2010/main" val="1201854712"/>
       </p:ext>
     </p:extLst>
   </p:cSld>
@@ -872,7 +872,7 @@
             <a:fld id="{85A5DE44-605B-4D3B-B2B7-94543DF81A36}" type="datetimeFigureOut">
               <a:rPr lang="ru-RU" smtClean="0"/>
               <a:pPr/>
-              <a:t>10.06.2021</a:t>
+              <a:t>24.07.2021</a:t>
             </a:fld>
             <a:endParaRPr lang="ru-RU"/>
           </a:p>
@@ -924,7 +924,7 @@
     </p:spTree>
     <p:extLst>
       <p:ext uri="{BB962C8B-B14F-4D97-AF65-F5344CB8AC3E}">
-        <p14:creationId xmlns="" xmlns:p14="http://schemas.microsoft.com/office/powerpoint/2010/main" val="2587197011"/>
+        <p14:creationId xmlns:p14="http://schemas.microsoft.com/office/powerpoint/2010/main" val="2587197011"/>
       </p:ext>
     </p:extLst>
   </p:cSld>
@@ -1054,7 +1054,7 @@
             <a:fld id="{85A5DE44-605B-4D3B-B2B7-94543DF81A36}" type="datetimeFigureOut">
               <a:rPr lang="ru-RU" smtClean="0"/>
               <a:pPr/>
-              <a:t>10.06.2021</a:t>
+              <a:t>24.07.2021</a:t>
             </a:fld>
             <a:endParaRPr lang="ru-RU"/>
           </a:p>
@@ -1106,7 +1106,7 @@
     </p:spTree>
     <p:extLst>
       <p:ext uri="{BB962C8B-B14F-4D97-AF65-F5344CB8AC3E}">
-        <p14:creationId xmlns="" xmlns:p14="http://schemas.microsoft.com/office/powerpoint/2010/main" val="2729497684"/>
+        <p14:creationId xmlns:p14="http://schemas.microsoft.com/office/powerpoint/2010/main" val="2729497684"/>
       </p:ext>
     </p:extLst>
   </p:cSld>
@@ -1226,7 +1226,7 @@
             <a:fld id="{85A5DE44-605B-4D3B-B2B7-94543DF81A36}" type="datetimeFigureOut">
               <a:rPr lang="ru-RU" smtClean="0"/>
               <a:pPr/>
-              <a:t>10.06.2021</a:t>
+              <a:t>24.07.2021</a:t>
             </a:fld>
             <a:endParaRPr lang="ru-RU"/>
           </a:p>
@@ -1278,7 +1278,7 @@
     </p:spTree>
     <p:extLst>
       <p:ext uri="{BB962C8B-B14F-4D97-AF65-F5344CB8AC3E}">
-        <p14:creationId xmlns="" xmlns:p14="http://schemas.microsoft.com/office/powerpoint/2010/main" val="813552025"/>
+        <p14:creationId xmlns:p14="http://schemas.microsoft.com/office/powerpoint/2010/main" val="813552025"/>
       </p:ext>
     </p:extLst>
   </p:cSld>
@@ -1474,7 +1474,7 @@
             <a:fld id="{85A5DE44-605B-4D3B-B2B7-94543DF81A36}" type="datetimeFigureOut">
               <a:rPr lang="ru-RU" smtClean="0"/>
               <a:pPr/>
-              <a:t>10.06.2021</a:t>
+              <a:t>24.07.2021</a:t>
             </a:fld>
             <a:endParaRPr lang="ru-RU"/>
           </a:p>
@@ -1526,7 +1526,7 @@
     </p:spTree>
     <p:extLst>
       <p:ext uri="{BB962C8B-B14F-4D97-AF65-F5344CB8AC3E}">
-        <p14:creationId xmlns="" xmlns:p14="http://schemas.microsoft.com/office/powerpoint/2010/main" val="1817244299"/>
+        <p14:creationId xmlns:p14="http://schemas.microsoft.com/office/powerpoint/2010/main" val="1817244299"/>
       </p:ext>
     </p:extLst>
   </p:cSld>
@@ -1708,7 +1708,7 @@
             <a:fld id="{85A5DE44-605B-4D3B-B2B7-94543DF81A36}" type="datetimeFigureOut">
               <a:rPr lang="ru-RU" smtClean="0"/>
               <a:pPr/>
-              <a:t>10.06.2021</a:t>
+              <a:t>24.07.2021</a:t>
             </a:fld>
             <a:endParaRPr lang="ru-RU"/>
           </a:p>
@@ -1760,7 +1760,7 @@
     </p:spTree>
     <p:extLst>
       <p:ext uri="{BB962C8B-B14F-4D97-AF65-F5344CB8AC3E}">
-        <p14:creationId xmlns="" xmlns:p14="http://schemas.microsoft.com/office/powerpoint/2010/main" val="635467586"/>
+        <p14:creationId xmlns:p14="http://schemas.microsoft.com/office/powerpoint/2010/main" val="635467586"/>
       </p:ext>
     </p:extLst>
   </p:cSld>
@@ -2077,7 +2077,7 @@
             <a:fld id="{85A5DE44-605B-4D3B-B2B7-94543DF81A36}" type="datetimeFigureOut">
               <a:rPr lang="ru-RU" smtClean="0"/>
               <a:pPr/>
-              <a:t>10.06.2021</a:t>
+              <a:t>24.07.2021</a:t>
             </a:fld>
             <a:endParaRPr lang="ru-RU"/>
           </a:p>
@@ -2129,7 +2129,7 @@
     </p:spTree>
     <p:extLst>
       <p:ext uri="{BB962C8B-B14F-4D97-AF65-F5344CB8AC3E}">
-        <p14:creationId xmlns="" xmlns:p14="http://schemas.microsoft.com/office/powerpoint/2010/main" val="3995563606"/>
+        <p14:creationId xmlns:p14="http://schemas.microsoft.com/office/powerpoint/2010/main" val="3995563606"/>
       </p:ext>
     </p:extLst>
   </p:cSld>
@@ -2197,7 +2197,7 @@
             <a:fld id="{85A5DE44-605B-4D3B-B2B7-94543DF81A36}" type="datetimeFigureOut">
               <a:rPr lang="ru-RU" smtClean="0"/>
               <a:pPr/>
-              <a:t>10.06.2021</a:t>
+              <a:t>24.07.2021</a:t>
             </a:fld>
             <a:endParaRPr lang="ru-RU"/>
           </a:p>
@@ -2249,7 +2249,7 @@
     </p:spTree>
     <p:extLst>
       <p:ext uri="{BB962C8B-B14F-4D97-AF65-F5344CB8AC3E}">
-        <p14:creationId xmlns="" xmlns:p14="http://schemas.microsoft.com/office/powerpoint/2010/main" val="1827486368"/>
+        <p14:creationId xmlns:p14="http://schemas.microsoft.com/office/powerpoint/2010/main" val="1827486368"/>
       </p:ext>
     </p:extLst>
   </p:cSld>
@@ -2294,7 +2294,7 @@
             <a:fld id="{85A5DE44-605B-4D3B-B2B7-94543DF81A36}" type="datetimeFigureOut">
               <a:rPr lang="ru-RU" smtClean="0"/>
               <a:pPr/>
-              <a:t>10.06.2021</a:t>
+              <a:t>24.07.2021</a:t>
             </a:fld>
             <a:endParaRPr lang="ru-RU"/>
           </a:p>
@@ -2346,7 +2346,7 @@
     </p:spTree>
     <p:extLst>
       <p:ext uri="{BB962C8B-B14F-4D97-AF65-F5344CB8AC3E}">
-        <p14:creationId xmlns="" xmlns:p14="http://schemas.microsoft.com/office/powerpoint/2010/main" val="2291083481"/>
+        <p14:creationId xmlns:p14="http://schemas.microsoft.com/office/powerpoint/2010/main" val="2291083481"/>
       </p:ext>
     </p:extLst>
   </p:cSld>
@@ -2573,7 +2573,7 @@
             <a:fld id="{85A5DE44-605B-4D3B-B2B7-94543DF81A36}" type="datetimeFigureOut">
               <a:rPr lang="ru-RU" smtClean="0"/>
               <a:pPr/>
-              <a:t>10.06.2021</a:t>
+              <a:t>24.07.2021</a:t>
             </a:fld>
             <a:endParaRPr lang="ru-RU"/>
           </a:p>
@@ -2625,7 +2625,7 @@
     </p:spTree>
     <p:extLst>
       <p:ext uri="{BB962C8B-B14F-4D97-AF65-F5344CB8AC3E}">
-        <p14:creationId xmlns="" xmlns:p14="http://schemas.microsoft.com/office/powerpoint/2010/main" val="3369452162"/>
+        <p14:creationId xmlns:p14="http://schemas.microsoft.com/office/powerpoint/2010/main" val="3369452162"/>
       </p:ext>
     </p:extLst>
   </p:cSld>
@@ -2832,7 +2832,7 @@
             <a:fld id="{85A5DE44-605B-4D3B-B2B7-94543DF81A36}" type="datetimeFigureOut">
               <a:rPr lang="ru-RU" smtClean="0"/>
               <a:pPr/>
-              <a:t>10.06.2021</a:t>
+              <a:t>24.07.2021</a:t>
             </a:fld>
             <a:endParaRPr lang="ru-RU"/>
           </a:p>
@@ -2884,7 +2884,7 @@
     </p:spTree>
     <p:extLst>
       <p:ext uri="{BB962C8B-B14F-4D97-AF65-F5344CB8AC3E}">
-        <p14:creationId xmlns="" xmlns:p14="http://schemas.microsoft.com/office/powerpoint/2010/main" val="1742075268"/>
+        <p14:creationId xmlns:p14="http://schemas.microsoft.com/office/powerpoint/2010/main" val="1742075268"/>
       </p:ext>
     </p:extLst>
   </p:cSld>
@@ -3047,7 +3047,7 @@
             <a:fld id="{85A5DE44-605B-4D3B-B2B7-94543DF81A36}" type="datetimeFigureOut">
               <a:rPr lang="ru-RU" smtClean="0"/>
               <a:pPr/>
-              <a:t>10.06.2021</a:t>
+              <a:t>24.07.2021</a:t>
             </a:fld>
             <a:endParaRPr lang="ru-RU"/>
           </a:p>
@@ -3135,7 +3135,7 @@
     </p:spTree>
     <p:extLst>
       <p:ext uri="{BB962C8B-B14F-4D97-AF65-F5344CB8AC3E}">
-        <p14:creationId xmlns="" xmlns:p14="http://schemas.microsoft.com/office/powerpoint/2010/main" val="1744105568"/>
+        <p14:creationId xmlns:p14="http://schemas.microsoft.com/office/powerpoint/2010/main" val="1744105568"/>
       </p:ext>
     </p:extLst>
   </p:cSld>
@@ -26015,14 +26015,13 @@
           <p:cNvPr id="453" name="Соединительная линия уступом 452"/>
           <p:cNvCxnSpPr>
             <a:stCxn id="585" idx="2"/>
-            <a:endCxn id="242" idx="0"/>
           </p:cNvCxnSpPr>
           <p:nvPr/>
         </p:nvCxnSpPr>
         <p:spPr>
           <a:xfrm rot="5400000">
-            <a:off x="44650397" y="16004520"/>
-            <a:ext cx="389094" cy="2640228"/>
+            <a:off x="44064517" y="18172670"/>
+            <a:ext cx="3143124" cy="1057959"/>
           </a:xfrm>
           <a:prstGeom prst="bentConnector3">
             <a:avLst>
@@ -26679,7 +26678,7 @@
         </p:nvSpPr>
         <p:spPr>
           <a:xfrm>
-            <a:off x="-4740611" y="11513855"/>
+            <a:off x="-17854803" y="12903282"/>
             <a:ext cx="2115918" cy="1080000"/>
           </a:xfrm>
           <a:prstGeom prst="rect">
@@ -26726,7 +26725,7 @@
         </p:nvSpPr>
         <p:spPr>
           <a:xfrm>
-            <a:off x="-2371159" y="13042026"/>
+            <a:off x="-16660797" y="14359159"/>
             <a:ext cx="2115918" cy="1080000"/>
           </a:xfrm>
           <a:prstGeom prst="rect">
@@ -26778,7 +26777,7 @@
         </p:nvSpPr>
         <p:spPr>
           <a:xfrm>
-            <a:off x="-12936337" y="13037634"/>
+            <a:off x="-15461760" y="12903282"/>
             <a:ext cx="2115918" cy="1080000"/>
           </a:xfrm>
           <a:prstGeom prst="rect">
@@ -28945,7 +28944,7 @@
         </p:nvSpPr>
         <p:spPr>
           <a:xfrm>
-            <a:off x="-4738039" y="13040070"/>
+            <a:off x="-19095917" y="14370851"/>
             <a:ext cx="2115918" cy="1080000"/>
           </a:xfrm>
           <a:prstGeom prst="rect">
@@ -28997,7 +28996,7 @@
         </p:nvSpPr>
         <p:spPr>
           <a:xfrm>
-            <a:off x="-4739136" y="10061969"/>
+            <a:off x="-17853328" y="11383156"/>
             <a:ext cx="2115918" cy="1080000"/>
           </a:xfrm>
           <a:prstGeom prst="rect">
@@ -29121,53 +29120,15 @@
         <p:nvCxnSpPr>
           <p:cNvPr id="648" name="Соединительная линия уступом 647"/>
           <p:cNvCxnSpPr>
-            <a:stCxn id="499" idx="2"/>
+            <a:stCxn id="575" idx="2"/>
             <a:endCxn id="627" idx="0"/>
           </p:cNvCxnSpPr>
           <p:nvPr/>
         </p:nvCxnSpPr>
         <p:spPr>
-          <a:xfrm rot="16200000" flipH="1">
-            <a:off x="-6268108" y="7475038"/>
-            <a:ext cx="533190" cy="4640671"/>
-          </a:xfrm>
-          <a:prstGeom prst="bentConnector3">
-            <a:avLst>
-              <a:gd name="adj1" fmla="val 50000"/>
-            </a:avLst>
-          </a:prstGeom>
-          <a:ln w="28575">
-            <a:tailEnd type="arrow"/>
-          </a:ln>
-        </p:spPr>
-        <p:style>
-          <a:lnRef idx="1">
-            <a:schemeClr val="accent1"/>
-          </a:lnRef>
-          <a:fillRef idx="0">
-            <a:schemeClr val="accent1"/>
-          </a:fillRef>
-          <a:effectRef idx="0">
-            <a:schemeClr val="accent1"/>
-          </a:effectRef>
-          <a:fontRef idx="minor">
-            <a:schemeClr val="tx1"/>
-          </a:fontRef>
-        </p:style>
-      </p:cxnSp>
-      <p:cxnSp>
-        <p:nvCxnSpPr>
-          <p:cNvPr id="657" name="Соединительная линия уступом 656"/>
-          <p:cNvCxnSpPr>
-            <a:stCxn id="532" idx="2"/>
-            <a:endCxn id="533" idx="0"/>
-          </p:cNvCxnSpPr>
-          <p:nvPr/>
-        </p:nvCxnSpPr>
-        <p:spPr>
-          <a:xfrm rot="16200000" flipH="1">
-            <a:off x="-2722011" y="11633214"/>
-            <a:ext cx="448171" cy="2369452"/>
+          <a:xfrm rot="5400000">
+            <a:off x="-15069356" y="9396380"/>
+            <a:ext cx="260764" cy="3712789"/>
           </a:xfrm>
           <a:prstGeom prst="bentConnector3">
             <a:avLst>
@@ -29231,42 +29192,6 @@
       </p:cxnSp>
       <p:cxnSp>
         <p:nvCxnSpPr>
-          <p:cNvPr id="664" name="Прямая со стрелкой 663"/>
-          <p:cNvCxnSpPr>
-            <a:stCxn id="532" idx="2"/>
-            <a:endCxn id="625" idx="0"/>
-          </p:cNvCxnSpPr>
-          <p:nvPr/>
-        </p:nvCxnSpPr>
-        <p:spPr>
-          <a:xfrm>
-            <a:off x="-3682652" y="12593855"/>
-            <a:ext cx="2572" cy="446215"/>
-          </a:xfrm>
-          <a:prstGeom prst="straightConnector1">
-            <a:avLst/>
-          </a:prstGeom>
-          <a:ln w="28575">
-            <a:tailEnd type="arrow"/>
-          </a:ln>
-        </p:spPr>
-        <p:style>
-          <a:lnRef idx="1">
-            <a:schemeClr val="accent1"/>
-          </a:lnRef>
-          <a:fillRef idx="0">
-            <a:schemeClr val="accent1"/>
-          </a:fillRef>
-          <a:effectRef idx="0">
-            <a:schemeClr val="accent1"/>
-          </a:effectRef>
-          <a:fontRef idx="minor">
-            <a:schemeClr val="tx1"/>
-          </a:fontRef>
-        </p:style>
-      </p:cxnSp>
-      <p:cxnSp>
-        <p:nvCxnSpPr>
           <p:cNvPr id="667" name="Прямая со стрелкой 666"/>
           <p:cNvCxnSpPr>
             <a:stCxn id="575" idx="2"/>
@@ -29348,12 +29273,12 @@
         </p:nvCxnSpPr>
         <p:spPr>
           <a:xfrm rot="5400000">
-            <a:off x="-9908080" y="9168127"/>
-            <a:ext cx="1899209" cy="5839804"/>
+            <a:off x="-11103615" y="7838240"/>
+            <a:ext cx="1764857" cy="8365227"/>
           </a:xfrm>
           <a:prstGeom prst="bentConnector3">
             <a:avLst>
-              <a:gd name="adj1" fmla="val 6367"/>
+              <a:gd name="adj1" fmla="val 6695"/>
             </a:avLst>
           </a:prstGeom>
           <a:ln w="28575">
@@ -29387,12 +29312,12 @@
         </p:nvCxnSpPr>
         <p:spPr>
           <a:xfrm rot="5400000">
-            <a:off x="-12221971" y="11485562"/>
-            <a:ext cx="1895665" cy="1208478"/>
+            <a:off x="-13417506" y="10155675"/>
+            <a:ext cx="1761313" cy="3733901"/>
           </a:xfrm>
           <a:prstGeom prst="bentConnector3">
             <a:avLst>
-              <a:gd name="adj1" fmla="val 5783"/>
+              <a:gd name="adj1" fmla="val 6608"/>
             </a:avLst>
           </a:prstGeom>
           <a:ln w="28575">
@@ -29425,13 +29350,13 @@
           <p:nvPr/>
         </p:nvCxnSpPr>
         <p:spPr>
-          <a:xfrm rot="16200000" flipH="1">
-            <a:off x="-13438100" y="11477912"/>
-            <a:ext cx="1915242" cy="1204202"/>
+          <a:xfrm rot="5400000">
+            <a:off x="-14633635" y="11352227"/>
+            <a:ext cx="1780890" cy="1321221"/>
           </a:xfrm>
           <a:prstGeom prst="bentConnector3">
             <a:avLst>
-              <a:gd name="adj1" fmla="val 6761"/>
+              <a:gd name="adj1" fmla="val 7085"/>
             </a:avLst>
           </a:prstGeom>
           <a:ln w="28575">
@@ -29762,7 +29687,7 @@
         </p:nvSpPr>
         <p:spPr>
           <a:xfrm>
-            <a:off x="-12921550" y="17566941"/>
+            <a:off x="-15446973" y="17582717"/>
             <a:ext cx="2115918" cy="1080000"/>
           </a:xfrm>
           <a:prstGeom prst="rect">
@@ -29859,8 +29784,8 @@
         </p:nvCxnSpPr>
         <p:spPr>
           <a:xfrm>
-            <a:off x="-11878378" y="14117634"/>
-            <a:ext cx="14787" cy="3449307"/>
+            <a:off x="-14403801" y="13983282"/>
+            <a:ext cx="14787" cy="3599435"/>
           </a:xfrm>
           <a:prstGeom prst="straightConnector1">
             <a:avLst/>
@@ -30010,8 +29935,8 @@
         </p:nvCxnSpPr>
         <p:spPr>
           <a:xfrm flipH="1">
-            <a:off x="-3682652" y="11141969"/>
-            <a:ext cx="1475" cy="371886"/>
+            <a:off x="-16796844" y="12463156"/>
+            <a:ext cx="1475" cy="440126"/>
           </a:xfrm>
           <a:prstGeom prst="straightConnector1">
             <a:avLst/>
@@ -30130,9 +30055,9 @@
           <p:nvPr/>
         </p:nvCxnSpPr>
         <p:spPr>
-          <a:xfrm>
-            <a:off x="-10805632" y="18106941"/>
-            <a:ext cx="2590021" cy="10852"/>
+          <a:xfrm flipV="1">
+            <a:off x="-13331055" y="18117793"/>
+            <a:ext cx="5115444" cy="4924"/>
           </a:xfrm>
           <a:prstGeom prst="line">
             <a:avLst/>
@@ -30539,10 +30464,1008 @@
           </a:fontRef>
         </p:style>
       </p:cxnSp>
+      <p:cxnSp>
+        <p:nvCxnSpPr>
+          <p:cNvPr id="503" name="Соединительная линия уступом 502"/>
+          <p:cNvCxnSpPr>
+            <a:stCxn id="532" idx="2"/>
+            <a:endCxn id="625" idx="0"/>
+          </p:cNvCxnSpPr>
+          <p:nvPr/>
+        </p:nvCxnSpPr>
+        <p:spPr>
+          <a:xfrm rot="5400000">
+            <a:off x="-17611185" y="13556509"/>
+            <a:ext cx="387569" cy="1241114"/>
+          </a:xfrm>
+          <a:prstGeom prst="bentConnector3">
+            <a:avLst>
+              <a:gd name="adj1" fmla="val 50000"/>
+            </a:avLst>
+          </a:prstGeom>
+          <a:ln w="28575">
+            <a:tailEnd type="arrow"/>
+          </a:ln>
+        </p:spPr>
+        <p:style>
+          <a:lnRef idx="1">
+            <a:schemeClr val="accent1"/>
+          </a:lnRef>
+          <a:fillRef idx="0">
+            <a:schemeClr val="accent1"/>
+          </a:fillRef>
+          <a:effectRef idx="0">
+            <a:schemeClr val="accent1"/>
+          </a:effectRef>
+          <a:fontRef idx="minor">
+            <a:schemeClr val="tx1"/>
+          </a:fontRef>
+        </p:style>
+      </p:cxnSp>
+      <p:cxnSp>
+        <p:nvCxnSpPr>
+          <p:cNvPr id="537" name="Соединительная линия уступом 536"/>
+          <p:cNvCxnSpPr>
+            <a:stCxn id="532" idx="2"/>
+            <a:endCxn id="533" idx="0"/>
+          </p:cNvCxnSpPr>
+          <p:nvPr/>
+        </p:nvCxnSpPr>
+        <p:spPr>
+          <a:xfrm rot="16200000" flipH="1">
+            <a:off x="-16387779" y="13574217"/>
+            <a:ext cx="375877" cy="1194006"/>
+          </a:xfrm>
+          <a:prstGeom prst="bentConnector3">
+            <a:avLst>
+              <a:gd name="adj1" fmla="val 50000"/>
+            </a:avLst>
+          </a:prstGeom>
+          <a:ln w="28575">
+            <a:tailEnd type="arrow"/>
+          </a:ln>
+        </p:spPr>
+        <p:style>
+          <a:lnRef idx="1">
+            <a:schemeClr val="accent1"/>
+          </a:lnRef>
+          <a:fillRef idx="0">
+            <a:schemeClr val="accent1"/>
+          </a:fillRef>
+          <a:effectRef idx="0">
+            <a:schemeClr val="accent1"/>
+          </a:effectRef>
+          <a:fontRef idx="minor">
+            <a:schemeClr val="tx1"/>
+          </a:fontRef>
+        </p:style>
+      </p:cxnSp>
+      <p:sp>
+        <p:nvSpPr>
+          <p:cNvPr id="543" name="Прямоугольник 542"/>
+          <p:cNvSpPr/>
+          <p:nvPr/>
+        </p:nvSpPr>
+        <p:spPr>
+          <a:xfrm>
+            <a:off x="-4654065" y="10059842"/>
+            <a:ext cx="2115918" cy="1080000"/>
+          </a:xfrm>
+          <a:prstGeom prst="rect">
+            <a:avLst/>
+          </a:prstGeom>
+          <a:solidFill>
+            <a:srgbClr val="92D050"/>
+          </a:solidFill>
+          <a:ln w="28575"/>
+        </p:spPr>
+        <p:style>
+          <a:lnRef idx="2">
+            <a:schemeClr val="accent1"/>
+          </a:lnRef>
+          <a:fillRef idx="1">
+            <a:schemeClr val="lt1"/>
+          </a:fillRef>
+          <a:effectRef idx="0">
+            <a:schemeClr val="accent1"/>
+          </a:effectRef>
+          <a:fontRef idx="minor">
+            <a:schemeClr val="dk1"/>
+          </a:fontRef>
+        </p:style>
+        <p:txBody>
+          <a:bodyPr lIns="124733" tIns="62367" rIns="124733" bIns="62367" rtlCol="0" anchor="ctr"/>
+          <a:lstStyle/>
+          <a:p>
+            <a:pPr algn="ctr"/>
+            <a:r>
+              <a:rPr lang="ru-RU" sz="1400" dirty="0" smtClean="0"/>
+              <a:t>Просвещённая диктатура</a:t>
+            </a:r>
+            <a:endParaRPr lang="ru-RU" sz="500" dirty="0" smtClean="0"/>
+          </a:p>
+        </p:txBody>
+      </p:sp>
+      <p:cxnSp>
+        <p:nvCxnSpPr>
+          <p:cNvPr id="614" name="Соединительная линия уступом 613"/>
+          <p:cNvCxnSpPr>
+            <a:stCxn id="499" idx="2"/>
+            <a:endCxn id="543" idx="0"/>
+          </p:cNvCxnSpPr>
+          <p:nvPr/>
+        </p:nvCxnSpPr>
+        <p:spPr>
+          <a:xfrm rot="16200000" flipH="1">
+            <a:off x="-6224508" y="7431439"/>
+            <a:ext cx="531063" cy="4725742"/>
+          </a:xfrm>
+          <a:prstGeom prst="bentConnector3">
+            <a:avLst>
+              <a:gd name="adj1" fmla="val 50000"/>
+            </a:avLst>
+          </a:prstGeom>
+          <a:ln w="28575">
+            <a:tailEnd type="arrow"/>
+          </a:ln>
+        </p:spPr>
+        <p:style>
+          <a:lnRef idx="1">
+            <a:schemeClr val="accent1"/>
+          </a:lnRef>
+          <a:fillRef idx="0">
+            <a:schemeClr val="accent1"/>
+          </a:fillRef>
+          <a:effectRef idx="0">
+            <a:schemeClr val="accent1"/>
+          </a:effectRef>
+          <a:fontRef idx="minor">
+            <a:schemeClr val="tx1"/>
+          </a:fontRef>
+        </p:style>
+      </p:cxnSp>
+      <p:sp>
+        <p:nvSpPr>
+          <p:cNvPr id="615" name="Прямоугольник 614"/>
+          <p:cNvSpPr/>
+          <p:nvPr/>
+        </p:nvSpPr>
+        <p:spPr>
+          <a:xfrm>
+            <a:off x="-4651728" y="11522617"/>
+            <a:ext cx="2115918" cy="1080000"/>
+          </a:xfrm>
+          <a:prstGeom prst="rect">
+            <a:avLst/>
+          </a:prstGeom>
+          <a:solidFill>
+            <a:srgbClr val="92D050"/>
+          </a:solidFill>
+          <a:ln w="28575"/>
+        </p:spPr>
+        <p:style>
+          <a:lnRef idx="2">
+            <a:schemeClr val="accent1"/>
+          </a:lnRef>
+          <a:fillRef idx="1">
+            <a:schemeClr val="lt1"/>
+          </a:fillRef>
+          <a:effectRef idx="0">
+            <a:schemeClr val="accent1"/>
+          </a:effectRef>
+          <a:fontRef idx="minor">
+            <a:schemeClr val="dk1"/>
+          </a:fontRef>
+        </p:style>
+        <p:txBody>
+          <a:bodyPr lIns="124733" tIns="62367" rIns="124733" bIns="62367" rtlCol="0" anchor="ctr"/>
+          <a:lstStyle/>
+          <a:p>
+            <a:pPr algn="ctr"/>
+            <a:r>
+              <a:rPr lang="ru-RU" sz="1400" dirty="0" smtClean="0"/>
+              <a:t>Создание </a:t>
+            </a:r>
+            <a:r>
+              <a:rPr lang="ru-RU" sz="1400" dirty="0"/>
+              <a:t>национального собрания </a:t>
+            </a:r>
+            <a:r>
+              <a:rPr lang="ru-RU" sz="400" dirty="0"/>
+              <a:t>(</a:t>
+            </a:r>
+            <a:r>
+              <a:rPr lang="ru-RU" sz="400" dirty="0" err="1"/>
+              <a:t>сылаясь</a:t>
+            </a:r>
+            <a:r>
+              <a:rPr lang="ru-RU" sz="400" dirty="0"/>
+              <a:t> на Национальное собрание Турции в качестве примера, </a:t>
+            </a:r>
+            <a:r>
+              <a:rPr lang="ru-RU" sz="400" dirty="0" err="1"/>
+              <a:t>Исмет</a:t>
+            </a:r>
+            <a:r>
+              <a:rPr lang="ru-RU" sz="400" dirty="0"/>
+              <a:t> </a:t>
+            </a:r>
+            <a:r>
+              <a:rPr lang="ru-RU" sz="400" dirty="0" err="1"/>
+              <a:t>Тото</a:t>
+            </a:r>
+            <a:r>
+              <a:rPr lang="ru-RU" sz="400" dirty="0"/>
+              <a:t> заявляет, что «большое количество турецких депутатов-</a:t>
+            </a:r>
+            <a:r>
+              <a:rPr lang="ru-RU" sz="400" dirty="0" err="1"/>
+              <a:t>кемалистов</a:t>
+            </a:r>
+            <a:r>
+              <a:rPr lang="ru-RU" sz="400" dirty="0"/>
+              <a:t> - это ученые, писатели, ученые и журналисты, которые, помимо своей обычной работы в парламенте, пишут и публикуют книги, выпускают журналы и газеты. , управлять различными культурными и социальными учреждениями, проводить общественные конференции, преподавать в средних школах, гимназиях и университетах, заниматься искусством, театром и литературой и многими другими мероприятиями, чтобы поднять страну. Дополнительной ценностью этого занятия было то, что они проделали всю эту работу без вознаграждения</a:t>
+            </a:r>
+            <a:r>
+              <a:rPr lang="ru-RU" sz="400" dirty="0" smtClean="0"/>
+              <a:t>!)</a:t>
+            </a:r>
+            <a:endParaRPr lang="ru-RU" sz="100" dirty="0" smtClean="0"/>
+          </a:p>
+        </p:txBody>
+      </p:sp>
+      <p:sp>
+        <p:nvSpPr>
+          <p:cNvPr id="619" name="Прямоугольник 618"/>
+          <p:cNvSpPr/>
+          <p:nvPr/>
+        </p:nvSpPr>
+        <p:spPr>
+          <a:xfrm>
+            <a:off x="-2313933" y="11498818"/>
+            <a:ext cx="2115918" cy="1080000"/>
+          </a:xfrm>
+          <a:prstGeom prst="rect">
+            <a:avLst/>
+          </a:prstGeom>
+          <a:solidFill>
+            <a:srgbClr val="92D050"/>
+          </a:solidFill>
+          <a:ln w="28575"/>
+        </p:spPr>
+        <p:style>
+          <a:lnRef idx="2">
+            <a:schemeClr val="accent1"/>
+          </a:lnRef>
+          <a:fillRef idx="1">
+            <a:schemeClr val="lt1"/>
+          </a:fillRef>
+          <a:effectRef idx="0">
+            <a:schemeClr val="accent1"/>
+          </a:effectRef>
+          <a:fontRef idx="minor">
+            <a:schemeClr val="dk1"/>
+          </a:fontRef>
+        </p:style>
+        <p:txBody>
+          <a:bodyPr lIns="124733" tIns="62367" rIns="124733" bIns="62367" rtlCol="0" anchor="ctr"/>
+          <a:lstStyle/>
+          <a:p>
+            <a:pPr algn="ctr"/>
+            <a:r>
+              <a:rPr lang="ru-RU" sz="1400" dirty="0" err="1" smtClean="0"/>
+              <a:t>Объеденить</a:t>
+            </a:r>
+            <a:r>
+              <a:rPr lang="ru-RU" sz="1400" dirty="0" smtClean="0"/>
+              <a:t> албанцев общей идеей </a:t>
+            </a:r>
+            <a:r>
+              <a:rPr lang="ru-RU" sz="500" dirty="0"/>
+              <a:t>(Сторонники этих идей утверждали, что только Просвещенная диктатура может пробудить в сердцах людей страсть к тому, чтобы каждый албанец понял и хвастался тем, что он албанец; не быть безграмотным, чтобы знать, зачем он живет; знать свою миссию среди общества. Согласно </a:t>
+            </a:r>
+            <a:r>
+              <a:rPr lang="ru-RU" sz="500" dirty="0" err="1"/>
+              <a:t>Исмету</a:t>
+            </a:r>
+            <a:r>
+              <a:rPr lang="ru-RU" sz="500" dirty="0"/>
+              <a:t> </a:t>
+            </a:r>
+            <a:r>
+              <a:rPr lang="ru-RU" sz="500" dirty="0" err="1"/>
+              <a:t>Тото</a:t>
+            </a:r>
+            <a:r>
+              <a:rPr lang="ru-RU" sz="500" dirty="0"/>
+              <a:t>: «Диктатура, только диктатура поднимет албанские толпы из тьмы невежества в свет знания; потому что Диктатура освятит чувства, простит здоровье, европеизирует Родину </a:t>
+            </a:r>
+            <a:r>
+              <a:rPr lang="ru-RU" sz="500" dirty="0" err="1"/>
+              <a:t>Кастриота</a:t>
+            </a:r>
+            <a:r>
+              <a:rPr lang="ru-RU" sz="500" dirty="0"/>
+              <a:t> ». «Мир можно поддерживать силой, но он не превращается в нацию. Чтобы формировать нацию, нам нужна ИДЕЯ, которая зажигает людей и формирует коллективы », - заявил далее </a:t>
+            </a:r>
+            <a:r>
+              <a:rPr lang="ru-RU" sz="500" dirty="0" err="1"/>
+              <a:t>Исмет</a:t>
+            </a:r>
+            <a:r>
+              <a:rPr lang="ru-RU" sz="500" dirty="0"/>
+              <a:t> </a:t>
+            </a:r>
+            <a:r>
+              <a:rPr lang="ru-RU" sz="500" dirty="0" err="1"/>
+              <a:t>Тото</a:t>
+            </a:r>
+            <a:r>
+              <a:rPr lang="ru-RU" sz="500" dirty="0" smtClean="0"/>
+              <a:t>.)</a:t>
+            </a:r>
+            <a:endParaRPr lang="ru-RU" sz="100" dirty="0" smtClean="0"/>
+          </a:p>
+        </p:txBody>
+      </p:sp>
+      <p:sp>
+        <p:nvSpPr>
+          <p:cNvPr id="626" name="Прямоугольник 625"/>
+          <p:cNvSpPr/>
+          <p:nvPr/>
+        </p:nvSpPr>
+        <p:spPr>
+          <a:xfrm>
+            <a:off x="-4652736" y="13045016"/>
+            <a:ext cx="2115918" cy="1080000"/>
+          </a:xfrm>
+          <a:prstGeom prst="rect">
+            <a:avLst/>
+          </a:prstGeom>
+          <a:solidFill>
+            <a:srgbClr val="92D050"/>
+          </a:solidFill>
+          <a:ln w="28575"/>
+        </p:spPr>
+        <p:style>
+          <a:lnRef idx="2">
+            <a:schemeClr val="accent1"/>
+          </a:lnRef>
+          <a:fillRef idx="1">
+            <a:schemeClr val="lt1"/>
+          </a:fillRef>
+          <a:effectRef idx="0">
+            <a:schemeClr val="accent1"/>
+          </a:effectRef>
+          <a:fontRef idx="minor">
+            <a:schemeClr val="dk1"/>
+          </a:fontRef>
+        </p:style>
+        <p:txBody>
+          <a:bodyPr lIns="124733" tIns="62367" rIns="124733" bIns="62367" rtlCol="0" anchor="ctr"/>
+          <a:lstStyle/>
+          <a:p>
+            <a:pPr algn="ctr"/>
+            <a:r>
+              <a:rPr lang="ru-RU" sz="1400" dirty="0" smtClean="0"/>
+              <a:t>Создание </a:t>
+            </a:r>
+            <a:r>
+              <a:rPr lang="ru-RU" sz="1400" smtClean="0"/>
+              <a:t>нового общества</a:t>
+            </a:r>
+            <a:endParaRPr lang="ru-RU" sz="500" dirty="0" smtClean="0"/>
+          </a:p>
+        </p:txBody>
+      </p:sp>
+      <p:sp>
+        <p:nvSpPr>
+          <p:cNvPr id="629" name="Прямоугольник 628"/>
+          <p:cNvSpPr/>
+          <p:nvPr/>
+        </p:nvSpPr>
+        <p:spPr>
+          <a:xfrm>
+            <a:off x="-4654065" y="14544924"/>
+            <a:ext cx="2115918" cy="1080000"/>
+          </a:xfrm>
+          <a:prstGeom prst="rect">
+            <a:avLst/>
+          </a:prstGeom>
+          <a:solidFill>
+            <a:srgbClr val="92D050"/>
+          </a:solidFill>
+          <a:ln w="28575"/>
+        </p:spPr>
+        <p:style>
+          <a:lnRef idx="2">
+            <a:schemeClr val="accent1"/>
+          </a:lnRef>
+          <a:fillRef idx="1">
+            <a:schemeClr val="lt1"/>
+          </a:fillRef>
+          <a:effectRef idx="0">
+            <a:schemeClr val="accent1"/>
+          </a:effectRef>
+          <a:fontRef idx="minor">
+            <a:schemeClr val="dk1"/>
+          </a:fontRef>
+        </p:style>
+        <p:txBody>
+          <a:bodyPr lIns="124733" tIns="62367" rIns="124733" bIns="62367" rtlCol="0" anchor="ctr"/>
+          <a:lstStyle/>
+          <a:p>
+            <a:pPr algn="ctr"/>
+            <a:r>
+              <a:rPr lang="ru-RU" sz="1400" dirty="0"/>
+              <a:t>Поддержка молодёжных кружков</a:t>
+            </a:r>
+            <a:endParaRPr lang="ru-RU" sz="500" dirty="0"/>
+          </a:p>
+        </p:txBody>
+      </p:sp>
+      <p:cxnSp>
+        <p:nvCxnSpPr>
+          <p:cNvPr id="635" name="Соединительная линия уступом 634"/>
+          <p:cNvCxnSpPr>
+            <a:stCxn id="543" idx="2"/>
+            <a:endCxn id="619" idx="0"/>
+          </p:cNvCxnSpPr>
+          <p:nvPr/>
+        </p:nvCxnSpPr>
+        <p:spPr>
+          <a:xfrm rot="16200000" flipH="1">
+            <a:off x="-2605528" y="10149264"/>
+            <a:ext cx="358976" cy="2340132"/>
+          </a:xfrm>
+          <a:prstGeom prst="bentConnector3">
+            <a:avLst>
+              <a:gd name="adj1" fmla="val 50000"/>
+            </a:avLst>
+          </a:prstGeom>
+          <a:ln w="28575">
+            <a:tailEnd type="arrow"/>
+          </a:ln>
+        </p:spPr>
+        <p:style>
+          <a:lnRef idx="1">
+            <a:schemeClr val="accent1"/>
+          </a:lnRef>
+          <a:fillRef idx="0">
+            <a:schemeClr val="accent1"/>
+          </a:fillRef>
+          <a:effectRef idx="0">
+            <a:schemeClr val="accent1"/>
+          </a:effectRef>
+          <a:fontRef idx="minor">
+            <a:schemeClr val="tx1"/>
+          </a:fontRef>
+        </p:style>
+      </p:cxnSp>
+      <p:cxnSp>
+        <p:nvCxnSpPr>
+          <p:cNvPr id="639" name="Прямая со стрелкой 638"/>
+          <p:cNvCxnSpPr>
+            <a:stCxn id="543" idx="2"/>
+            <a:endCxn id="615" idx="0"/>
+          </p:cNvCxnSpPr>
+          <p:nvPr/>
+        </p:nvCxnSpPr>
+        <p:spPr>
+          <a:xfrm>
+            <a:off x="-3596106" y="11139842"/>
+            <a:ext cx="2337" cy="382775"/>
+          </a:xfrm>
+          <a:prstGeom prst="straightConnector1">
+            <a:avLst/>
+          </a:prstGeom>
+          <a:ln w="28575">
+            <a:tailEnd type="arrow"/>
+          </a:ln>
+        </p:spPr>
+        <p:style>
+          <a:lnRef idx="1">
+            <a:schemeClr val="accent1"/>
+          </a:lnRef>
+          <a:fillRef idx="0">
+            <a:schemeClr val="accent1"/>
+          </a:fillRef>
+          <a:effectRef idx="0">
+            <a:schemeClr val="accent1"/>
+          </a:effectRef>
+          <a:fontRef idx="minor">
+            <a:schemeClr val="tx1"/>
+          </a:fontRef>
+        </p:style>
+      </p:cxnSp>
+      <p:cxnSp>
+        <p:nvCxnSpPr>
+          <p:cNvPr id="641" name="Соединительная линия уступом 640"/>
+          <p:cNvCxnSpPr>
+            <a:stCxn id="615" idx="2"/>
+            <a:endCxn id="626" idx="0"/>
+          </p:cNvCxnSpPr>
+          <p:nvPr/>
+        </p:nvCxnSpPr>
+        <p:spPr>
+          <a:xfrm rot="5400000">
+            <a:off x="-3815472" y="12823312"/>
+            <a:ext cx="442399" cy="1008"/>
+          </a:xfrm>
+          <a:prstGeom prst="bentConnector3">
+            <a:avLst>
+              <a:gd name="adj1" fmla="val 50000"/>
+            </a:avLst>
+          </a:prstGeom>
+          <a:ln w="28575">
+            <a:tailEnd type="arrow"/>
+          </a:ln>
+        </p:spPr>
+        <p:style>
+          <a:lnRef idx="1">
+            <a:schemeClr val="accent1"/>
+          </a:lnRef>
+          <a:fillRef idx="0">
+            <a:schemeClr val="accent1"/>
+          </a:fillRef>
+          <a:effectRef idx="0">
+            <a:schemeClr val="accent1"/>
+          </a:effectRef>
+          <a:fontRef idx="minor">
+            <a:schemeClr val="tx1"/>
+          </a:fontRef>
+        </p:style>
+      </p:cxnSp>
+      <p:cxnSp>
+        <p:nvCxnSpPr>
+          <p:cNvPr id="642" name="Соединительная линия уступом 641"/>
+          <p:cNvCxnSpPr>
+            <a:stCxn id="619" idx="2"/>
+            <a:endCxn id="626" idx="0"/>
+          </p:cNvCxnSpPr>
+          <p:nvPr/>
+        </p:nvCxnSpPr>
+        <p:spPr>
+          <a:xfrm rot="5400000">
+            <a:off x="-2658474" y="11642516"/>
+            <a:ext cx="466198" cy="2338803"/>
+          </a:xfrm>
+          <a:prstGeom prst="bentConnector3">
+            <a:avLst>
+              <a:gd name="adj1" fmla="val 50000"/>
+            </a:avLst>
+          </a:prstGeom>
+          <a:ln w="28575">
+            <a:tailEnd type="arrow"/>
+          </a:ln>
+        </p:spPr>
+        <p:style>
+          <a:lnRef idx="1">
+            <a:schemeClr val="accent1"/>
+          </a:lnRef>
+          <a:fillRef idx="0">
+            <a:schemeClr val="accent1"/>
+          </a:fillRef>
+          <a:effectRef idx="0">
+            <a:schemeClr val="accent1"/>
+          </a:effectRef>
+          <a:fontRef idx="minor">
+            <a:schemeClr val="tx1"/>
+          </a:fontRef>
+        </p:style>
+      </p:cxnSp>
+      <p:cxnSp>
+        <p:nvCxnSpPr>
+          <p:cNvPr id="645" name="Соединительная линия уступом 644"/>
+          <p:cNvCxnSpPr>
+            <a:stCxn id="626" idx="2"/>
+            <a:endCxn id="629" idx="0"/>
+          </p:cNvCxnSpPr>
+          <p:nvPr/>
+        </p:nvCxnSpPr>
+        <p:spPr>
+          <a:xfrm rot="5400000">
+            <a:off x="-3805395" y="14334306"/>
+            <a:ext cx="419908" cy="1329"/>
+          </a:xfrm>
+          <a:prstGeom prst="bentConnector3">
+            <a:avLst>
+              <a:gd name="adj1" fmla="val 50000"/>
+            </a:avLst>
+          </a:prstGeom>
+          <a:ln w="28575">
+            <a:tailEnd type="arrow"/>
+          </a:ln>
+        </p:spPr>
+        <p:style>
+          <a:lnRef idx="1">
+            <a:schemeClr val="accent1"/>
+          </a:lnRef>
+          <a:fillRef idx="0">
+            <a:schemeClr val="accent1"/>
+          </a:fillRef>
+          <a:effectRef idx="0">
+            <a:schemeClr val="accent1"/>
+          </a:effectRef>
+          <a:fontRef idx="minor">
+            <a:schemeClr val="tx1"/>
+          </a:fontRef>
+        </p:style>
+      </p:cxnSp>
+      <p:sp>
+        <p:nvSpPr>
+          <p:cNvPr id="650" name="Прямоугольник 649"/>
+          <p:cNvSpPr/>
+          <p:nvPr/>
+        </p:nvSpPr>
+        <p:spPr>
+          <a:xfrm>
+            <a:off x="-2304978" y="16040892"/>
+            <a:ext cx="2115918" cy="1080000"/>
+          </a:xfrm>
+          <a:prstGeom prst="rect">
+            <a:avLst/>
+          </a:prstGeom>
+          <a:solidFill>
+            <a:srgbClr val="92D050"/>
+          </a:solidFill>
+          <a:ln w="28575"/>
+        </p:spPr>
+        <p:style>
+          <a:lnRef idx="2">
+            <a:schemeClr val="accent1"/>
+          </a:lnRef>
+          <a:fillRef idx="1">
+            <a:schemeClr val="lt1"/>
+          </a:fillRef>
+          <a:effectRef idx="0">
+            <a:schemeClr val="accent1"/>
+          </a:effectRef>
+          <a:fontRef idx="minor">
+            <a:schemeClr val="dk1"/>
+          </a:fontRef>
+        </p:style>
+        <p:txBody>
+          <a:bodyPr lIns="124733" tIns="62367" rIns="124733" bIns="62367" rtlCol="0" anchor="ctr"/>
+          <a:lstStyle/>
+          <a:p>
+            <a:pPr algn="ctr"/>
+            <a:r>
+              <a:rPr lang="ru-RU" sz="1400" dirty="0" smtClean="0"/>
+              <a:t>Союз с Осью</a:t>
+            </a:r>
+            <a:endParaRPr lang="ru-RU" sz="500" dirty="0" smtClean="0"/>
+          </a:p>
+        </p:txBody>
+      </p:sp>
+      <p:cxnSp>
+        <p:nvCxnSpPr>
+          <p:cNvPr id="654" name="Соединительная линия уступом 653"/>
+          <p:cNvCxnSpPr>
+            <a:stCxn id="629" idx="2"/>
+            <a:endCxn id="650" idx="0"/>
+          </p:cNvCxnSpPr>
+          <p:nvPr/>
+        </p:nvCxnSpPr>
+        <p:spPr>
+          <a:xfrm rot="16200000" flipH="1">
+            <a:off x="-2629547" y="14658364"/>
+            <a:ext cx="415968" cy="2349087"/>
+          </a:xfrm>
+          <a:prstGeom prst="bentConnector3">
+            <a:avLst>
+              <a:gd name="adj1" fmla="val 50000"/>
+            </a:avLst>
+          </a:prstGeom>
+          <a:ln w="28575">
+            <a:tailEnd type="arrow"/>
+          </a:ln>
+        </p:spPr>
+        <p:style>
+          <a:lnRef idx="1">
+            <a:schemeClr val="accent1"/>
+          </a:lnRef>
+          <a:fillRef idx="0">
+            <a:schemeClr val="accent1"/>
+          </a:fillRef>
+          <a:effectRef idx="0">
+            <a:schemeClr val="accent1"/>
+          </a:effectRef>
+          <a:fontRef idx="minor">
+            <a:schemeClr val="tx1"/>
+          </a:fontRef>
+        </p:style>
+      </p:cxnSp>
+      <p:sp>
+        <p:nvSpPr>
+          <p:cNvPr id="658" name="Прямоугольник 657"/>
+          <p:cNvSpPr/>
+          <p:nvPr/>
+        </p:nvSpPr>
+        <p:spPr>
+          <a:xfrm>
+            <a:off x="-2318551" y="13058663"/>
+            <a:ext cx="2115918" cy="1080000"/>
+          </a:xfrm>
+          <a:prstGeom prst="rect">
+            <a:avLst/>
+          </a:prstGeom>
+          <a:solidFill>
+            <a:srgbClr val="92D050"/>
+          </a:solidFill>
+          <a:ln w="28575"/>
+        </p:spPr>
+        <p:style>
+          <a:lnRef idx="2">
+            <a:schemeClr val="accent1"/>
+          </a:lnRef>
+          <a:fillRef idx="1">
+            <a:schemeClr val="lt1"/>
+          </a:fillRef>
+          <a:effectRef idx="0">
+            <a:schemeClr val="accent1"/>
+          </a:effectRef>
+          <a:fontRef idx="minor">
+            <a:schemeClr val="dk1"/>
+          </a:fontRef>
+        </p:style>
+        <p:txBody>
+          <a:bodyPr lIns="124733" tIns="62367" rIns="124733" bIns="62367" rtlCol="0" anchor="ctr"/>
+          <a:lstStyle/>
+          <a:p>
+            <a:pPr algn="ctr"/>
+            <a:r>
+              <a:rPr lang="ru-RU" sz="1400" dirty="0" smtClean="0"/>
+              <a:t>Направить нацию на путь прогресса</a:t>
+            </a:r>
+            <a:endParaRPr lang="ru-RU" sz="500" dirty="0" smtClean="0"/>
+          </a:p>
+        </p:txBody>
+      </p:sp>
+      <p:sp>
+        <p:nvSpPr>
+          <p:cNvPr id="659" name="Прямоугольник 658"/>
+          <p:cNvSpPr/>
+          <p:nvPr/>
+        </p:nvSpPr>
+        <p:spPr>
+          <a:xfrm>
+            <a:off x="-2316467" y="14548057"/>
+            <a:ext cx="2115918" cy="1080000"/>
+          </a:xfrm>
+          <a:prstGeom prst="rect">
+            <a:avLst/>
+          </a:prstGeom>
+          <a:solidFill>
+            <a:srgbClr val="92D050"/>
+          </a:solidFill>
+          <a:ln w="28575"/>
+        </p:spPr>
+        <p:style>
+          <a:lnRef idx="2">
+            <a:schemeClr val="accent1"/>
+          </a:lnRef>
+          <a:fillRef idx="1">
+            <a:schemeClr val="lt1"/>
+          </a:fillRef>
+          <a:effectRef idx="0">
+            <a:schemeClr val="accent1"/>
+          </a:effectRef>
+          <a:fontRef idx="minor">
+            <a:schemeClr val="dk1"/>
+          </a:fontRef>
+        </p:style>
+        <p:txBody>
+          <a:bodyPr lIns="124733" tIns="62367" rIns="124733" bIns="62367" rtlCol="0" anchor="ctr"/>
+          <a:lstStyle/>
+          <a:p>
+            <a:pPr algn="ctr"/>
+            <a:r>
+              <a:rPr lang="ru-RU" sz="1400" dirty="0" smtClean="0"/>
+              <a:t>Автаркия</a:t>
+            </a:r>
+            <a:endParaRPr lang="ru-RU" sz="500" dirty="0" smtClean="0"/>
+          </a:p>
+        </p:txBody>
+      </p:sp>
+      <p:cxnSp>
+        <p:nvCxnSpPr>
+          <p:cNvPr id="662" name="Прямая со стрелкой 661"/>
+          <p:cNvCxnSpPr>
+            <a:stCxn id="658" idx="2"/>
+            <a:endCxn id="659" idx="0"/>
+          </p:cNvCxnSpPr>
+          <p:nvPr/>
+        </p:nvCxnSpPr>
+        <p:spPr>
+          <a:xfrm>
+            <a:off x="-1260592" y="14138663"/>
+            <a:ext cx="2084" cy="409394"/>
+          </a:xfrm>
+          <a:prstGeom prst="straightConnector1">
+            <a:avLst/>
+          </a:prstGeom>
+          <a:ln w="28575">
+            <a:tailEnd type="arrow"/>
+          </a:ln>
+        </p:spPr>
+        <p:style>
+          <a:lnRef idx="1">
+            <a:schemeClr val="accent1"/>
+          </a:lnRef>
+          <a:fillRef idx="0">
+            <a:schemeClr val="accent1"/>
+          </a:fillRef>
+          <a:effectRef idx="0">
+            <a:schemeClr val="accent1"/>
+          </a:effectRef>
+          <a:fontRef idx="minor">
+            <a:schemeClr val="tx1"/>
+          </a:fontRef>
+        </p:style>
+      </p:cxnSp>
+      <p:cxnSp>
+        <p:nvCxnSpPr>
+          <p:cNvPr id="663" name="Прямая соединительная линия 662"/>
+          <p:cNvCxnSpPr>
+            <a:stCxn id="528" idx="3"/>
+            <a:endCxn id="650" idx="1"/>
+          </p:cNvCxnSpPr>
+          <p:nvPr/>
+        </p:nvCxnSpPr>
+        <p:spPr>
+          <a:xfrm>
+            <a:off x="-3792602" y="16578024"/>
+            <a:ext cx="1487624" cy="2868"/>
+          </a:xfrm>
+          <a:prstGeom prst="line">
+            <a:avLst/>
+          </a:prstGeom>
+          <a:ln w="28575">
+            <a:solidFill>
+              <a:srgbClr val="FF0000"/>
+            </a:solidFill>
+          </a:ln>
+        </p:spPr>
+        <p:style>
+          <a:lnRef idx="1">
+            <a:schemeClr val="accent1"/>
+          </a:lnRef>
+          <a:fillRef idx="0">
+            <a:schemeClr val="accent1"/>
+          </a:fillRef>
+          <a:effectRef idx="0">
+            <a:schemeClr val="accent1"/>
+          </a:effectRef>
+          <a:fontRef idx="minor">
+            <a:schemeClr val="tx1"/>
+          </a:fontRef>
+        </p:style>
+      </p:cxnSp>
+      <p:cxnSp>
+        <p:nvCxnSpPr>
+          <p:cNvPr id="666" name="Прямая со стрелкой 665"/>
+          <p:cNvCxnSpPr>
+            <a:stCxn id="619" idx="2"/>
+            <a:endCxn id="658" idx="0"/>
+          </p:cNvCxnSpPr>
+          <p:nvPr/>
+        </p:nvCxnSpPr>
+        <p:spPr>
+          <a:xfrm flipH="1">
+            <a:off x="-1260592" y="12578818"/>
+            <a:ext cx="4618" cy="479845"/>
+          </a:xfrm>
+          <a:prstGeom prst="straightConnector1">
+            <a:avLst/>
+          </a:prstGeom>
+          <a:ln w="28575">
+            <a:tailEnd type="arrow"/>
+          </a:ln>
+        </p:spPr>
+        <p:style>
+          <a:lnRef idx="1">
+            <a:schemeClr val="accent1"/>
+          </a:lnRef>
+          <a:fillRef idx="0">
+            <a:schemeClr val="accent1"/>
+          </a:fillRef>
+          <a:effectRef idx="0">
+            <a:schemeClr val="accent1"/>
+          </a:effectRef>
+          <a:fontRef idx="minor">
+            <a:schemeClr val="tx1"/>
+          </a:fontRef>
+        </p:style>
+      </p:cxnSp>
+      <p:sp>
+        <p:nvSpPr>
+          <p:cNvPr id="668" name="Прямоугольник 667"/>
+          <p:cNvSpPr/>
+          <p:nvPr/>
+        </p:nvSpPr>
+        <p:spPr>
+          <a:xfrm>
+            <a:off x="-1102700" y="17577793"/>
+            <a:ext cx="2115918" cy="1080000"/>
+          </a:xfrm>
+          <a:prstGeom prst="rect">
+            <a:avLst/>
+          </a:prstGeom>
+          <a:solidFill>
+            <a:srgbClr val="92D050"/>
+          </a:solidFill>
+          <a:ln w="28575"/>
+        </p:spPr>
+        <p:style>
+          <a:lnRef idx="2">
+            <a:schemeClr val="accent1"/>
+          </a:lnRef>
+          <a:fillRef idx="1">
+            <a:schemeClr val="lt1"/>
+          </a:fillRef>
+          <a:effectRef idx="0">
+            <a:schemeClr val="accent1"/>
+          </a:effectRef>
+          <a:fontRef idx="minor">
+            <a:schemeClr val="dk1"/>
+          </a:fontRef>
+        </p:style>
+        <p:txBody>
+          <a:bodyPr lIns="124733" tIns="62367" rIns="124733" bIns="62367" rtlCol="0" anchor="ctr"/>
+          <a:lstStyle/>
+          <a:p>
+            <a:pPr algn="ctr"/>
+            <a:r>
+              <a:rPr lang="ru-RU" sz="1400" dirty="0" smtClean="0"/>
+              <a:t>Милитаризация промышленности</a:t>
+            </a:r>
+            <a:endParaRPr lang="ru-RU" sz="500" dirty="0" smtClean="0"/>
+          </a:p>
+        </p:txBody>
+      </p:sp>
+      <p:cxnSp>
+        <p:nvCxnSpPr>
+          <p:cNvPr id="671" name="Соединительная линия уступом 670"/>
+          <p:cNvCxnSpPr>
+            <a:stCxn id="650" idx="2"/>
+            <a:endCxn id="668" idx="0"/>
+          </p:cNvCxnSpPr>
+          <p:nvPr/>
+        </p:nvCxnSpPr>
+        <p:spPr>
+          <a:xfrm rot="16200000" flipH="1">
+            <a:off x="-874330" y="16748203"/>
+            <a:ext cx="456901" cy="1202278"/>
+          </a:xfrm>
+          <a:prstGeom prst="bentConnector3">
+            <a:avLst>
+              <a:gd name="adj1" fmla="val 50000"/>
+            </a:avLst>
+          </a:prstGeom>
+          <a:ln w="28575">
+            <a:tailEnd type="arrow"/>
+          </a:ln>
+        </p:spPr>
+        <p:style>
+          <a:lnRef idx="1">
+            <a:schemeClr val="accent1"/>
+          </a:lnRef>
+          <a:fillRef idx="0">
+            <a:schemeClr val="accent1"/>
+          </a:fillRef>
+          <a:effectRef idx="0">
+            <a:schemeClr val="accent1"/>
+          </a:effectRef>
+          <a:fontRef idx="minor">
+            <a:schemeClr val="tx1"/>
+          </a:fontRef>
+        </p:style>
+      </p:cxnSp>
     </p:spTree>
     <p:extLst>
       <p:ext uri="{BB962C8B-B14F-4D97-AF65-F5344CB8AC3E}">
-        <p14:creationId xmlns="" xmlns:p14="http://schemas.microsoft.com/office/powerpoint/2010/main" val="3113188735"/>
+        <p14:creationId xmlns:p14="http://schemas.microsoft.com/office/powerpoint/2010/main" val="3113188735"/>
       </p:ext>
     </p:extLst>
   </p:cSld>
@@ -30814,7 +31737,7 @@
   <a:extraClrSchemeLst/>
   <a:extLst>
     <a:ext uri="{05A4C25C-085E-4340-85A3-A5531E510DB2}">
-      <thm15:themeFamily xmlns="" xmlns:thm15="http://schemas.microsoft.com/office/thememl/2012/main" name="Office Theme" id="{62F939B6-93AF-4DB8-9C6B-D6C7DFDC589F}" vid="{4A3C46E8-61CC-4603-A589-7422A47A8E4A}"/>
+      <thm15:themeFamily xmlns:thm15="http://schemas.microsoft.com/office/thememl/2012/main" name="Office Theme" id="{62F939B6-93AF-4DB8-9C6B-D6C7DFDC589F}" vid="{4A3C46E8-61CC-4603-A589-7422A47A8E4A}"/>
     </a:ext>
   </a:extLst>
 </a:theme>
@@ -31075,7 +31998,7 @@
   <a:extraClrSchemeLst/>
   <a:extLst>
     <a:ext uri="{05A4C25C-085E-4340-85A3-A5531E510DB2}">
-      <thm15:themeFamily xmlns="" xmlns:thm15="http://schemas.microsoft.com/office/thememl/2012/main" name="Office Theme" id="{62F939B6-93AF-4DB8-9C6B-D6C7DFDC589F}" vid="{4A3C46E8-61CC-4603-A589-7422A47A8E4A}"/>
+      <thm15:themeFamily xmlns:thm15="http://schemas.microsoft.com/office/thememl/2012/main" name="Office Theme" id="{62F939B6-93AF-4DB8-9C6B-D6C7DFDC589F}" vid="{4A3C46E8-61CC-4603-A589-7422A47A8E4A}"/>
     </a:ext>
   </a:extLst>
 </a:theme>

--- a/Наработки/диздоки/Албания/Албания.pptx
+++ b/Наработки/диздоки/Албания/Албания.pptx
@@ -209,7 +209,7 @@
             <a:fld id="{33E3D7F9-E251-484C-A6FF-FA958879DF69}" type="datetimeFigureOut">
               <a:rPr lang="ru-RU" smtClean="0"/>
               <a:pPr/>
-              <a:t>24.07.2021</a:t>
+              <a:t>02.08.2021</a:t>
             </a:fld>
             <a:endParaRPr lang="ru-RU"/>
           </a:p>
@@ -700,7 +700,7 @@
             <a:fld id="{85A5DE44-605B-4D3B-B2B7-94543DF81A36}" type="datetimeFigureOut">
               <a:rPr lang="ru-RU" smtClean="0"/>
               <a:pPr/>
-              <a:t>24.07.2021</a:t>
+              <a:t>02.08.2021</a:t>
             </a:fld>
             <a:endParaRPr lang="ru-RU"/>
           </a:p>
@@ -872,7 +872,7 @@
             <a:fld id="{85A5DE44-605B-4D3B-B2B7-94543DF81A36}" type="datetimeFigureOut">
               <a:rPr lang="ru-RU" smtClean="0"/>
               <a:pPr/>
-              <a:t>24.07.2021</a:t>
+              <a:t>02.08.2021</a:t>
             </a:fld>
             <a:endParaRPr lang="ru-RU"/>
           </a:p>
@@ -1054,7 +1054,7 @@
             <a:fld id="{85A5DE44-605B-4D3B-B2B7-94543DF81A36}" type="datetimeFigureOut">
               <a:rPr lang="ru-RU" smtClean="0"/>
               <a:pPr/>
-              <a:t>24.07.2021</a:t>
+              <a:t>02.08.2021</a:t>
             </a:fld>
             <a:endParaRPr lang="ru-RU"/>
           </a:p>
@@ -1226,7 +1226,7 @@
             <a:fld id="{85A5DE44-605B-4D3B-B2B7-94543DF81A36}" type="datetimeFigureOut">
               <a:rPr lang="ru-RU" smtClean="0"/>
               <a:pPr/>
-              <a:t>24.07.2021</a:t>
+              <a:t>02.08.2021</a:t>
             </a:fld>
             <a:endParaRPr lang="ru-RU"/>
           </a:p>
@@ -1474,7 +1474,7 @@
             <a:fld id="{85A5DE44-605B-4D3B-B2B7-94543DF81A36}" type="datetimeFigureOut">
               <a:rPr lang="ru-RU" smtClean="0"/>
               <a:pPr/>
-              <a:t>24.07.2021</a:t>
+              <a:t>02.08.2021</a:t>
             </a:fld>
             <a:endParaRPr lang="ru-RU"/>
           </a:p>
@@ -1708,7 +1708,7 @@
             <a:fld id="{85A5DE44-605B-4D3B-B2B7-94543DF81A36}" type="datetimeFigureOut">
               <a:rPr lang="ru-RU" smtClean="0"/>
               <a:pPr/>
-              <a:t>24.07.2021</a:t>
+              <a:t>02.08.2021</a:t>
             </a:fld>
             <a:endParaRPr lang="ru-RU"/>
           </a:p>
@@ -2077,7 +2077,7 @@
             <a:fld id="{85A5DE44-605B-4D3B-B2B7-94543DF81A36}" type="datetimeFigureOut">
               <a:rPr lang="ru-RU" smtClean="0"/>
               <a:pPr/>
-              <a:t>24.07.2021</a:t>
+              <a:t>02.08.2021</a:t>
             </a:fld>
             <a:endParaRPr lang="ru-RU"/>
           </a:p>
@@ -2197,7 +2197,7 @@
             <a:fld id="{85A5DE44-605B-4D3B-B2B7-94543DF81A36}" type="datetimeFigureOut">
               <a:rPr lang="ru-RU" smtClean="0"/>
               <a:pPr/>
-              <a:t>24.07.2021</a:t>
+              <a:t>02.08.2021</a:t>
             </a:fld>
             <a:endParaRPr lang="ru-RU"/>
           </a:p>
@@ -2294,7 +2294,7 @@
             <a:fld id="{85A5DE44-605B-4D3B-B2B7-94543DF81A36}" type="datetimeFigureOut">
               <a:rPr lang="ru-RU" smtClean="0"/>
               <a:pPr/>
-              <a:t>24.07.2021</a:t>
+              <a:t>02.08.2021</a:t>
             </a:fld>
             <a:endParaRPr lang="ru-RU"/>
           </a:p>
@@ -2573,7 +2573,7 @@
             <a:fld id="{85A5DE44-605B-4D3B-B2B7-94543DF81A36}" type="datetimeFigureOut">
               <a:rPr lang="ru-RU" smtClean="0"/>
               <a:pPr/>
-              <a:t>24.07.2021</a:t>
+              <a:t>02.08.2021</a:t>
             </a:fld>
             <a:endParaRPr lang="ru-RU"/>
           </a:p>
@@ -2832,7 +2832,7 @@
             <a:fld id="{85A5DE44-605B-4D3B-B2B7-94543DF81A36}" type="datetimeFigureOut">
               <a:rPr lang="ru-RU" smtClean="0"/>
               <a:pPr/>
-              <a:t>24.07.2021</a:t>
+              <a:t>02.08.2021</a:t>
             </a:fld>
             <a:endParaRPr lang="ru-RU"/>
           </a:p>
@@ -3047,7 +3047,7 @@
             <a:fld id="{85A5DE44-605B-4D3B-B2B7-94543DF81A36}" type="datetimeFigureOut">
               <a:rPr lang="ru-RU" smtClean="0"/>
               <a:pPr/>
-              <a:t>24.07.2021</a:t>
+              <a:t>02.08.2021</a:t>
             </a:fld>
             <a:endParaRPr lang="ru-RU"/>
           </a:p>
@@ -3455,6 +3455,282 @@
       </p:grpSpPr>
       <p:sp>
         <p:nvSpPr>
+          <p:cNvPr id="630" name="Прямоугольник 629"/>
+          <p:cNvSpPr/>
+          <p:nvPr/>
+        </p:nvSpPr>
+        <p:spPr>
+          <a:xfrm>
+            <a:off x="20934581" y="22121167"/>
+            <a:ext cx="1057959" cy="1080000"/>
+          </a:xfrm>
+          <a:prstGeom prst="rect">
+            <a:avLst/>
+          </a:prstGeom>
+          <a:solidFill>
+            <a:srgbClr val="FFC000"/>
+          </a:solidFill>
+          <a:ln w="28575">
+            <a:noFill/>
+          </a:ln>
+        </p:spPr>
+        <p:style>
+          <a:lnRef idx="2">
+            <a:schemeClr val="accent1"/>
+          </a:lnRef>
+          <a:fillRef idx="1">
+            <a:schemeClr val="lt1"/>
+          </a:fillRef>
+          <a:effectRef idx="0">
+            <a:schemeClr val="accent1"/>
+          </a:effectRef>
+          <a:fontRef idx="minor">
+            <a:schemeClr val="dk1"/>
+          </a:fontRef>
+        </p:style>
+        <p:txBody>
+          <a:bodyPr lIns="124733" tIns="62367" rIns="124733" bIns="62367" rtlCol="0" anchor="ctr"/>
+          <a:lstStyle>
+            <a:defPPr>
+              <a:defRPr lang="ru-RU"/>
+            </a:defPPr>
+            <a:lvl1pPr marL="0" algn="l" defTabSz="1532289" rtl="0" eaLnBrk="1" latinLnBrk="0" hangingPunct="1">
+              <a:defRPr sz="3000" kern="1200">
+                <a:solidFill>
+                  <a:schemeClr val="dk1"/>
+                </a:solidFill>
+                <a:latin typeface="+mn-lt"/>
+                <a:ea typeface="+mn-ea"/>
+                <a:cs typeface="+mn-cs"/>
+              </a:defRPr>
+            </a:lvl1pPr>
+            <a:lvl2pPr marL="766144" algn="l" defTabSz="1532289" rtl="0" eaLnBrk="1" latinLnBrk="0" hangingPunct="1">
+              <a:defRPr sz="3000" kern="1200">
+                <a:solidFill>
+                  <a:schemeClr val="dk1"/>
+                </a:solidFill>
+                <a:latin typeface="+mn-lt"/>
+                <a:ea typeface="+mn-ea"/>
+                <a:cs typeface="+mn-cs"/>
+              </a:defRPr>
+            </a:lvl2pPr>
+            <a:lvl3pPr marL="1532289" algn="l" defTabSz="1532289" rtl="0" eaLnBrk="1" latinLnBrk="0" hangingPunct="1">
+              <a:defRPr sz="3000" kern="1200">
+                <a:solidFill>
+                  <a:schemeClr val="dk1"/>
+                </a:solidFill>
+                <a:latin typeface="+mn-lt"/>
+                <a:ea typeface="+mn-ea"/>
+                <a:cs typeface="+mn-cs"/>
+              </a:defRPr>
+            </a:lvl3pPr>
+            <a:lvl4pPr marL="2298433" algn="l" defTabSz="1532289" rtl="0" eaLnBrk="1" latinLnBrk="0" hangingPunct="1">
+              <a:defRPr sz="3000" kern="1200">
+                <a:solidFill>
+                  <a:schemeClr val="dk1"/>
+                </a:solidFill>
+                <a:latin typeface="+mn-lt"/>
+                <a:ea typeface="+mn-ea"/>
+                <a:cs typeface="+mn-cs"/>
+              </a:defRPr>
+            </a:lvl4pPr>
+            <a:lvl5pPr marL="3064578" algn="l" defTabSz="1532289" rtl="0" eaLnBrk="1" latinLnBrk="0" hangingPunct="1">
+              <a:defRPr sz="3000" kern="1200">
+                <a:solidFill>
+                  <a:schemeClr val="dk1"/>
+                </a:solidFill>
+                <a:latin typeface="+mn-lt"/>
+                <a:ea typeface="+mn-ea"/>
+                <a:cs typeface="+mn-cs"/>
+              </a:defRPr>
+            </a:lvl5pPr>
+            <a:lvl6pPr marL="3830722" algn="l" defTabSz="1532289" rtl="0" eaLnBrk="1" latinLnBrk="0" hangingPunct="1">
+              <a:defRPr sz="3000" kern="1200">
+                <a:solidFill>
+                  <a:schemeClr val="dk1"/>
+                </a:solidFill>
+                <a:latin typeface="+mn-lt"/>
+                <a:ea typeface="+mn-ea"/>
+                <a:cs typeface="+mn-cs"/>
+              </a:defRPr>
+            </a:lvl6pPr>
+            <a:lvl7pPr marL="4596867" algn="l" defTabSz="1532289" rtl="0" eaLnBrk="1" latinLnBrk="0" hangingPunct="1">
+              <a:defRPr sz="3000" kern="1200">
+                <a:solidFill>
+                  <a:schemeClr val="dk1"/>
+                </a:solidFill>
+                <a:latin typeface="+mn-lt"/>
+                <a:ea typeface="+mn-ea"/>
+                <a:cs typeface="+mn-cs"/>
+              </a:defRPr>
+            </a:lvl7pPr>
+            <a:lvl8pPr marL="5363011" algn="l" defTabSz="1532289" rtl="0" eaLnBrk="1" latinLnBrk="0" hangingPunct="1">
+              <a:defRPr sz="3000" kern="1200">
+                <a:solidFill>
+                  <a:schemeClr val="dk1"/>
+                </a:solidFill>
+                <a:latin typeface="+mn-lt"/>
+                <a:ea typeface="+mn-ea"/>
+                <a:cs typeface="+mn-cs"/>
+              </a:defRPr>
+            </a:lvl8pPr>
+            <a:lvl9pPr marL="6129155" algn="l" defTabSz="1532289" rtl="0" eaLnBrk="1" latinLnBrk="0" hangingPunct="1">
+              <a:defRPr sz="3000" kern="1200">
+                <a:solidFill>
+                  <a:schemeClr val="dk1"/>
+                </a:solidFill>
+                <a:latin typeface="+mn-lt"/>
+                <a:ea typeface="+mn-ea"/>
+                <a:cs typeface="+mn-cs"/>
+              </a:defRPr>
+            </a:lvl9pPr>
+          </a:lstStyle>
+          <a:p>
+            <a:pPr algn="ctr"/>
+            <a:endParaRPr lang="ru-RU" sz="3200" dirty="0"/>
+          </a:p>
+        </p:txBody>
+      </p:sp>
+      <p:sp>
+        <p:nvSpPr>
+          <p:cNvPr id="647" name="Прямоугольник 646"/>
+          <p:cNvSpPr/>
+          <p:nvPr/>
+        </p:nvSpPr>
+        <p:spPr>
+          <a:xfrm>
+            <a:off x="19881413" y="22127271"/>
+            <a:ext cx="1057959" cy="1080000"/>
+          </a:xfrm>
+          <a:prstGeom prst="rect">
+            <a:avLst/>
+          </a:prstGeom>
+          <a:solidFill>
+            <a:srgbClr val="FF0000"/>
+          </a:solidFill>
+          <a:ln w="28575">
+            <a:noFill/>
+          </a:ln>
+        </p:spPr>
+        <p:style>
+          <a:lnRef idx="2">
+            <a:schemeClr val="accent1"/>
+          </a:lnRef>
+          <a:fillRef idx="1">
+            <a:schemeClr val="lt1"/>
+          </a:fillRef>
+          <a:effectRef idx="0">
+            <a:schemeClr val="accent1"/>
+          </a:effectRef>
+          <a:fontRef idx="minor">
+            <a:schemeClr val="dk1"/>
+          </a:fontRef>
+        </p:style>
+        <p:txBody>
+          <a:bodyPr lIns="124733" tIns="62367" rIns="124733" bIns="62367" rtlCol="0" anchor="ctr"/>
+          <a:lstStyle>
+            <a:defPPr>
+              <a:defRPr lang="ru-RU"/>
+            </a:defPPr>
+            <a:lvl1pPr marL="0" algn="l" defTabSz="1532289" rtl="0" eaLnBrk="1" latinLnBrk="0" hangingPunct="1">
+              <a:defRPr sz="3000" kern="1200">
+                <a:solidFill>
+                  <a:schemeClr val="dk1"/>
+                </a:solidFill>
+                <a:latin typeface="+mn-lt"/>
+                <a:ea typeface="+mn-ea"/>
+                <a:cs typeface="+mn-cs"/>
+              </a:defRPr>
+            </a:lvl1pPr>
+            <a:lvl2pPr marL="766144" algn="l" defTabSz="1532289" rtl="0" eaLnBrk="1" latinLnBrk="0" hangingPunct="1">
+              <a:defRPr sz="3000" kern="1200">
+                <a:solidFill>
+                  <a:schemeClr val="dk1"/>
+                </a:solidFill>
+                <a:latin typeface="+mn-lt"/>
+                <a:ea typeface="+mn-ea"/>
+                <a:cs typeface="+mn-cs"/>
+              </a:defRPr>
+            </a:lvl2pPr>
+            <a:lvl3pPr marL="1532289" algn="l" defTabSz="1532289" rtl="0" eaLnBrk="1" latinLnBrk="0" hangingPunct="1">
+              <a:defRPr sz="3000" kern="1200">
+                <a:solidFill>
+                  <a:schemeClr val="dk1"/>
+                </a:solidFill>
+                <a:latin typeface="+mn-lt"/>
+                <a:ea typeface="+mn-ea"/>
+                <a:cs typeface="+mn-cs"/>
+              </a:defRPr>
+            </a:lvl3pPr>
+            <a:lvl4pPr marL="2298433" algn="l" defTabSz="1532289" rtl="0" eaLnBrk="1" latinLnBrk="0" hangingPunct="1">
+              <a:defRPr sz="3000" kern="1200">
+                <a:solidFill>
+                  <a:schemeClr val="dk1"/>
+                </a:solidFill>
+                <a:latin typeface="+mn-lt"/>
+                <a:ea typeface="+mn-ea"/>
+                <a:cs typeface="+mn-cs"/>
+              </a:defRPr>
+            </a:lvl4pPr>
+            <a:lvl5pPr marL="3064578" algn="l" defTabSz="1532289" rtl="0" eaLnBrk="1" latinLnBrk="0" hangingPunct="1">
+              <a:defRPr sz="3000" kern="1200">
+                <a:solidFill>
+                  <a:schemeClr val="dk1"/>
+                </a:solidFill>
+                <a:latin typeface="+mn-lt"/>
+                <a:ea typeface="+mn-ea"/>
+                <a:cs typeface="+mn-cs"/>
+              </a:defRPr>
+            </a:lvl5pPr>
+            <a:lvl6pPr marL="3830722" algn="l" defTabSz="1532289" rtl="0" eaLnBrk="1" latinLnBrk="0" hangingPunct="1">
+              <a:defRPr sz="3000" kern="1200">
+                <a:solidFill>
+                  <a:schemeClr val="dk1"/>
+                </a:solidFill>
+                <a:latin typeface="+mn-lt"/>
+                <a:ea typeface="+mn-ea"/>
+                <a:cs typeface="+mn-cs"/>
+              </a:defRPr>
+            </a:lvl6pPr>
+            <a:lvl7pPr marL="4596867" algn="l" defTabSz="1532289" rtl="0" eaLnBrk="1" latinLnBrk="0" hangingPunct="1">
+              <a:defRPr sz="3000" kern="1200">
+                <a:solidFill>
+                  <a:schemeClr val="dk1"/>
+                </a:solidFill>
+                <a:latin typeface="+mn-lt"/>
+                <a:ea typeface="+mn-ea"/>
+                <a:cs typeface="+mn-cs"/>
+              </a:defRPr>
+            </a:lvl7pPr>
+            <a:lvl8pPr marL="5363011" algn="l" defTabSz="1532289" rtl="0" eaLnBrk="1" latinLnBrk="0" hangingPunct="1">
+              <a:defRPr sz="3000" kern="1200">
+                <a:solidFill>
+                  <a:schemeClr val="dk1"/>
+                </a:solidFill>
+                <a:latin typeface="+mn-lt"/>
+                <a:ea typeface="+mn-ea"/>
+                <a:cs typeface="+mn-cs"/>
+              </a:defRPr>
+            </a:lvl8pPr>
+            <a:lvl9pPr marL="6129155" algn="l" defTabSz="1532289" rtl="0" eaLnBrk="1" latinLnBrk="0" hangingPunct="1">
+              <a:defRPr sz="3000" kern="1200">
+                <a:solidFill>
+                  <a:schemeClr val="dk1"/>
+                </a:solidFill>
+                <a:latin typeface="+mn-lt"/>
+                <a:ea typeface="+mn-ea"/>
+                <a:cs typeface="+mn-cs"/>
+              </a:defRPr>
+            </a:lvl9pPr>
+          </a:lstStyle>
+          <a:p>
+            <a:pPr algn="ctr"/>
+            <a:endParaRPr lang="ru-RU" sz="3200" dirty="0"/>
+          </a:p>
+        </p:txBody>
+      </p:sp>
+      <p:sp>
+        <p:nvSpPr>
           <p:cNvPr id="601" name="Прямоугольник 600"/>
           <p:cNvSpPr/>
           <p:nvPr/>
@@ -10191,7 +10467,7 @@
             <a:pPr algn="ctr"/>
             <a:r>
               <a:rPr lang="ru-RU" sz="2400" b="1" dirty="0" smtClean="0"/>
-              <a:t>178 фокусов</a:t>
+              <a:t>189 фокусов</a:t>
             </a:r>
             <a:endParaRPr lang="en-US" sz="2400" b="1" dirty="0" smtClean="0"/>
           </a:p>
@@ -12838,7 +13114,7 @@
             <a:avLst/>
           </a:prstGeom>
           <a:solidFill>
-            <a:srgbClr val="92D050"/>
+            <a:srgbClr val="FF0000"/>
           </a:solidFill>
           <a:ln w="28575"/>
         </p:spPr>
@@ -12883,7 +13159,7 @@
             <a:avLst/>
           </a:prstGeom>
           <a:solidFill>
-            <a:srgbClr val="92D050"/>
+            <a:srgbClr val="FF0000"/>
           </a:solidFill>
           <a:ln w="28575"/>
         </p:spPr>
@@ -13621,9 +13897,7 @@
           <a:prstGeom prst="rect">
             <a:avLst/>
           </a:prstGeom>
-          <a:solidFill>
-            <a:srgbClr val="92D050"/>
-          </a:solidFill>
+          <a:noFill/>
           <a:ln w="28575"/>
         </p:spPr>
         <p:style>
@@ -13779,7 +14053,7 @@
             <a:avLst/>
           </a:prstGeom>
           <a:solidFill>
-            <a:srgbClr val="92D050"/>
+            <a:srgbClr val="FF0000"/>
           </a:solidFill>
           <a:ln w="28575"/>
         </p:spPr>
@@ -17754,7 +18028,7 @@
             <a:avLst/>
           </a:prstGeom>
           <a:solidFill>
-            <a:srgbClr val="92D050"/>
+            <a:srgbClr val="FFC000"/>
           </a:solidFill>
           <a:ln w="28575"/>
         </p:spPr>
@@ -26678,7 +26952,7 @@
         </p:nvSpPr>
         <p:spPr>
           <a:xfrm>
-            <a:off x="-17854803" y="12903282"/>
+            <a:off x="-17854803" y="13033917"/>
             <a:ext cx="2115918" cy="1080000"/>
           </a:xfrm>
           <a:prstGeom prst="rect">
@@ -26725,7 +26999,7 @@
         </p:nvSpPr>
         <p:spPr>
           <a:xfrm>
-            <a:off x="-16660797" y="14359159"/>
+            <a:off x="-16660797" y="14542048"/>
             <a:ext cx="2115918" cy="1080000"/>
           </a:xfrm>
           <a:prstGeom prst="rect">
@@ -26777,7 +27051,7 @@
         </p:nvSpPr>
         <p:spPr>
           <a:xfrm>
-            <a:off x="-15461760" y="12903282"/>
+            <a:off x="-15461760" y="13033917"/>
             <a:ext cx="2115918" cy="1080000"/>
           </a:xfrm>
           <a:prstGeom prst="rect">
@@ -28944,7 +29218,7 @@
         </p:nvSpPr>
         <p:spPr>
           <a:xfrm>
-            <a:off x="-19095917" y="14370851"/>
+            <a:off x="-19095917" y="14553740"/>
             <a:ext cx="2115918" cy="1080000"/>
           </a:xfrm>
           <a:prstGeom prst="rect">
@@ -29273,12 +29547,12 @@
         </p:nvCxnSpPr>
         <p:spPr>
           <a:xfrm rot="5400000">
-            <a:off x="-11103615" y="7838240"/>
-            <a:ext cx="1764857" cy="8365227"/>
+            <a:off x="-11168933" y="7903558"/>
+            <a:ext cx="1895492" cy="8365227"/>
           </a:xfrm>
           <a:prstGeom prst="bentConnector3">
             <a:avLst>
-              <a:gd name="adj1" fmla="val 6695"/>
+              <a:gd name="adj1" fmla="val 5894"/>
             </a:avLst>
           </a:prstGeom>
           <a:ln w="28575">
@@ -29312,12 +29586,12 @@
         </p:nvCxnSpPr>
         <p:spPr>
           <a:xfrm rot="5400000">
-            <a:off x="-13417506" y="10155675"/>
-            <a:ext cx="1761313" cy="3733901"/>
+            <a:off x="-13482824" y="10220993"/>
+            <a:ext cx="1891948" cy="3733901"/>
           </a:xfrm>
           <a:prstGeom prst="bentConnector3">
             <a:avLst>
-              <a:gd name="adj1" fmla="val 6608"/>
+              <a:gd name="adj1" fmla="val 6272"/>
             </a:avLst>
           </a:prstGeom>
           <a:ln w="28575">
@@ -29351,12 +29625,12 @@
         </p:nvCxnSpPr>
         <p:spPr>
           <a:xfrm rot="5400000">
-            <a:off x="-14633635" y="11352227"/>
-            <a:ext cx="1780890" cy="1321221"/>
+            <a:off x="-14698952" y="11417544"/>
+            <a:ext cx="1911525" cy="1321221"/>
           </a:xfrm>
           <a:prstGeom prst="bentConnector3">
             <a:avLst>
-              <a:gd name="adj1" fmla="val 7085"/>
+              <a:gd name="adj1" fmla="val 7175"/>
             </a:avLst>
           </a:prstGeom>
           <a:ln w="28575">
@@ -29784,8 +30058,8 @@
         </p:nvCxnSpPr>
         <p:spPr>
           <a:xfrm>
-            <a:off x="-14403801" y="13983282"/>
-            <a:ext cx="14787" cy="3599435"/>
+            <a:off x="-14403801" y="14113917"/>
+            <a:ext cx="14787" cy="3468800"/>
           </a:xfrm>
           <a:prstGeom prst="straightConnector1">
             <a:avLst/>
@@ -29936,7 +30210,7 @@
         <p:spPr>
           <a:xfrm flipH="1">
             <a:off x="-16796844" y="12463156"/>
-            <a:ext cx="1475" cy="440126"/>
+            <a:ext cx="1475" cy="570761"/>
           </a:xfrm>
           <a:prstGeom prst="straightConnector1">
             <a:avLst/>
@@ -30171,8 +30445,8 @@
           <a:p>
             <a:pPr algn="ctr"/>
             <a:r>
-              <a:rPr lang="ru-RU" sz="1400" dirty="0" smtClean="0"/>
-              <a:t>Сохранять нейтралитет</a:t>
+              <a:rPr lang="ru-RU" sz="1400" dirty="0"/>
+              <a:t>Союз с Египтом</a:t>
             </a:r>
           </a:p>
         </p:txBody>
@@ -30218,9 +30492,14 @@
           <a:p>
             <a:pPr algn="ctr"/>
             <a:r>
+              <a:rPr lang="ru-RU" sz="1400" dirty="0"/>
+              <a:t>Сохранять </a:t>
+            </a:r>
+            <a:r>
               <a:rPr lang="ru-RU" sz="1400" dirty="0" smtClean="0"/>
-              <a:t>Союз с Египтом</a:t>
-            </a:r>
+              <a:t>нейтралитет</a:t>
+            </a:r>
+            <a:endParaRPr lang="ru-RU" sz="1400" dirty="0"/>
           </a:p>
         </p:txBody>
       </p:sp>
@@ -30237,44 +30516,6 @@
           <a:xfrm rot="5400000">
             <a:off x="-6233990" y="16194363"/>
             <a:ext cx="459769" cy="2307091"/>
-          </a:xfrm>
-          <a:prstGeom prst="bentConnector3">
-            <a:avLst>
-              <a:gd name="adj1" fmla="val 50000"/>
-            </a:avLst>
-          </a:prstGeom>
-          <a:ln w="28575">
-            <a:tailEnd type="arrow"/>
-          </a:ln>
-        </p:spPr>
-        <p:style>
-          <a:lnRef idx="1">
-            <a:schemeClr val="accent1"/>
-          </a:lnRef>
-          <a:fillRef idx="0">
-            <a:schemeClr val="accent1"/>
-          </a:fillRef>
-          <a:effectRef idx="0">
-            <a:schemeClr val="accent1"/>
-          </a:effectRef>
-          <a:fontRef idx="minor">
-            <a:schemeClr val="tx1"/>
-          </a:fontRef>
-        </p:style>
-      </p:cxnSp>
-      <p:cxnSp>
-        <p:nvCxnSpPr>
-          <p:cNvPr id="661" name="Соединительная линия уступом 660"/>
-          <p:cNvCxnSpPr>
-            <a:stCxn id="528" idx="2"/>
-            <a:endCxn id="653" idx="0"/>
-          </p:cNvCxnSpPr>
-          <p:nvPr/>
-        </p:nvCxnSpPr>
-        <p:spPr>
-          <a:xfrm rot="16200000" flipH="1">
-            <a:off x="-3922702" y="16190165"/>
-            <a:ext cx="461741" cy="2317458"/>
           </a:xfrm>
           <a:prstGeom prst="bentConnector3">
             <a:avLst>
@@ -30475,8 +30716,8 @@
         </p:nvCxnSpPr>
         <p:spPr>
           <a:xfrm rot="5400000">
-            <a:off x="-17611185" y="13556509"/>
-            <a:ext cx="387569" cy="1241114"/>
+            <a:off x="-17637312" y="13713271"/>
+            <a:ext cx="439823" cy="1241114"/>
           </a:xfrm>
           <a:prstGeom prst="bentConnector3">
             <a:avLst>
@@ -30513,8 +30754,8 @@
         </p:nvCxnSpPr>
         <p:spPr>
           <a:xfrm rot="16200000" flipH="1">
-            <a:off x="-16387779" y="13574217"/>
-            <a:ext cx="375877" cy="1194006"/>
+            <a:off x="-16413906" y="13730979"/>
+            <a:ext cx="428131" cy="1194006"/>
           </a:xfrm>
           <a:prstGeom prst="bentConnector3">
             <a:avLst>
@@ -30668,47 +30909,11 @@
             </a:r>
             <a:r>
               <a:rPr lang="ru-RU" sz="1400" dirty="0"/>
-              <a:t>национального собрания </a:t>
-            </a:r>
-            <a:r>
-              <a:rPr lang="ru-RU" sz="400" dirty="0"/>
-              <a:t>(</a:t>
-            </a:r>
-            <a:r>
-              <a:rPr lang="ru-RU" sz="400" dirty="0" err="1"/>
-              <a:t>сылаясь</a:t>
-            </a:r>
-            <a:r>
-              <a:rPr lang="ru-RU" sz="400" dirty="0"/>
-              <a:t> на Национальное собрание Турции в качестве примера, </a:t>
-            </a:r>
-            <a:r>
-              <a:rPr lang="ru-RU" sz="400" dirty="0" err="1"/>
-              <a:t>Исмет</a:t>
-            </a:r>
-            <a:r>
-              <a:rPr lang="ru-RU" sz="400" dirty="0"/>
-              <a:t> </a:t>
-            </a:r>
-            <a:r>
-              <a:rPr lang="ru-RU" sz="400" dirty="0" err="1"/>
-              <a:t>Тото</a:t>
-            </a:r>
-            <a:r>
-              <a:rPr lang="ru-RU" sz="400" dirty="0"/>
-              <a:t> заявляет, что «большое количество турецких депутатов-</a:t>
-            </a:r>
-            <a:r>
-              <a:rPr lang="ru-RU" sz="400" dirty="0" err="1"/>
-              <a:t>кемалистов</a:t>
-            </a:r>
-            <a:r>
-              <a:rPr lang="ru-RU" sz="400" dirty="0"/>
-              <a:t> - это ученые, писатели, ученые и журналисты, которые, помимо своей обычной работы в парламенте, пишут и публикуют книги, выпускают журналы и газеты. , управлять различными культурными и социальными учреждениями, проводить общественные конференции, преподавать в средних школах, гимназиях и университетах, заниматься искусством, театром и литературой и многими другими мероприятиями, чтобы поднять страну. Дополнительной ценностью этого занятия было то, что они проделали всю эту работу без вознаграждения</a:t>
-            </a:r>
-            <a:r>
-              <a:rPr lang="ru-RU" sz="400" dirty="0" smtClean="0"/>
-              <a:t>!)</a:t>
+              <a:t>национального </a:t>
+            </a:r>
+            <a:r>
+              <a:rPr lang="ru-RU" sz="1400" dirty="0" smtClean="0"/>
+              <a:t>собрания</a:t>
             </a:r>
             <a:endParaRPr lang="ru-RU" sz="100" dirty="0" smtClean="0"/>
           </a:p>
@@ -30753,56 +30958,12 @@
           <a:p>
             <a:pPr algn="ctr"/>
             <a:r>
-              <a:rPr lang="ru-RU" sz="1400" dirty="0" err="1" smtClean="0"/>
-              <a:t>Объеденить</a:t>
-            </a:r>
-            <a:r>
               <a:rPr lang="ru-RU" sz="1400" dirty="0" smtClean="0"/>
-              <a:t> албанцев общей идеей </a:t>
-            </a:r>
-            <a:r>
-              <a:rPr lang="ru-RU" sz="500" dirty="0"/>
-              <a:t>(Сторонники этих идей утверждали, что только Просвещенная диктатура может пробудить в сердцах людей страсть к тому, чтобы каждый албанец понял и хвастался тем, что он албанец; не быть безграмотным, чтобы знать, зачем он живет; знать свою миссию среди общества. Согласно </a:t>
-            </a:r>
-            <a:r>
-              <a:rPr lang="ru-RU" sz="500" dirty="0" err="1"/>
-              <a:t>Исмету</a:t>
-            </a:r>
-            <a:r>
-              <a:rPr lang="ru-RU" sz="500" dirty="0"/>
-              <a:t> </a:t>
-            </a:r>
-            <a:r>
-              <a:rPr lang="ru-RU" sz="500" dirty="0" err="1"/>
-              <a:t>Тото</a:t>
-            </a:r>
-            <a:r>
-              <a:rPr lang="ru-RU" sz="500" dirty="0"/>
-              <a:t>: «Диктатура, только диктатура поднимет албанские толпы из тьмы невежества в свет знания; потому что Диктатура освятит чувства, простит здоровье, европеизирует Родину </a:t>
-            </a:r>
-            <a:r>
-              <a:rPr lang="ru-RU" sz="500" dirty="0" err="1"/>
-              <a:t>Кастриота</a:t>
-            </a:r>
-            <a:r>
-              <a:rPr lang="ru-RU" sz="500" dirty="0"/>
-              <a:t> ». «Мир можно поддерживать силой, но он не превращается в нацию. Чтобы формировать нацию, нам нужна ИДЕЯ, которая зажигает людей и формирует коллективы », - заявил далее </a:t>
-            </a:r>
-            <a:r>
-              <a:rPr lang="ru-RU" sz="500" dirty="0" err="1"/>
-              <a:t>Исмет</a:t>
-            </a:r>
-            <a:r>
-              <a:rPr lang="ru-RU" sz="500" dirty="0"/>
-              <a:t> </a:t>
-            </a:r>
-            <a:r>
-              <a:rPr lang="ru-RU" sz="500" dirty="0" err="1"/>
-              <a:t>Тото</a:t>
-            </a:r>
-            <a:r>
-              <a:rPr lang="ru-RU" sz="500" dirty="0" smtClean="0"/>
-              <a:t>.)</a:t>
+              <a:t>Объединить албанцев общей </a:t>
+            </a:r>
+            <a:r>
+              <a:rPr lang="ru-RU" sz="1400" dirty="0" smtClean="0"/>
+              <a:t>идеей</a:t>
             </a:r>
             <a:endParaRPr lang="ru-RU" sz="100" dirty="0" smtClean="0"/>
           </a:p>
@@ -31444,6 +31605,302 @@
             </a:avLst>
           </a:prstGeom>
           <a:ln w="28575">
+            <a:tailEnd type="arrow"/>
+          </a:ln>
+        </p:spPr>
+        <p:style>
+          <a:lnRef idx="1">
+            <a:schemeClr val="accent1"/>
+          </a:lnRef>
+          <a:fillRef idx="0">
+            <a:schemeClr val="accent1"/>
+          </a:fillRef>
+          <a:effectRef idx="0">
+            <a:schemeClr val="accent1"/>
+          </a:effectRef>
+          <a:fontRef idx="minor">
+            <a:schemeClr val="tx1"/>
+          </a:fontRef>
+        </p:style>
+      </p:cxnSp>
+      <p:sp>
+        <p:nvSpPr>
+          <p:cNvPr id="657" name="Прямоугольник 656"/>
+          <p:cNvSpPr/>
+          <p:nvPr/>
+        </p:nvSpPr>
+        <p:spPr>
+          <a:xfrm>
+            <a:off x="-12934880" y="13038202"/>
+            <a:ext cx="2115918" cy="1080000"/>
+          </a:xfrm>
+          <a:prstGeom prst="rect">
+            <a:avLst/>
+          </a:prstGeom>
+          <a:solidFill>
+            <a:srgbClr val="92D050"/>
+          </a:solidFill>
+          <a:ln w="28575"/>
+        </p:spPr>
+        <p:style>
+          <a:lnRef idx="2">
+            <a:schemeClr val="accent1"/>
+          </a:lnRef>
+          <a:fillRef idx="1">
+            <a:schemeClr val="lt1"/>
+          </a:fillRef>
+          <a:effectRef idx="0">
+            <a:schemeClr val="accent1"/>
+          </a:effectRef>
+          <a:fontRef idx="minor">
+            <a:schemeClr val="dk1"/>
+          </a:fontRef>
+        </p:style>
+        <p:txBody>
+          <a:bodyPr lIns="124733" tIns="62367" rIns="124733" bIns="62367" rtlCol="0" anchor="ctr"/>
+          <a:lstStyle/>
+          <a:p>
+            <a:pPr algn="ctr"/>
+            <a:r>
+              <a:rPr lang="ru-RU" sz="1400" dirty="0" err="1"/>
+              <a:t>Вадат</a:t>
+            </a:r>
+            <a:r>
+              <a:rPr lang="ru-RU" sz="1400" dirty="0"/>
+              <a:t> </a:t>
+            </a:r>
+            <a:r>
+              <a:rPr lang="ru-RU" sz="1400" dirty="0" smtClean="0"/>
+              <a:t>аль-</a:t>
+            </a:r>
+            <a:r>
+              <a:rPr lang="ru-RU" sz="1400" dirty="0" err="1" smtClean="0"/>
+              <a:t>Вуджуд</a:t>
+            </a:r>
+            <a:endParaRPr lang="ru-RU" sz="500" dirty="0" smtClean="0"/>
+          </a:p>
+        </p:txBody>
+      </p:sp>
+      <p:sp>
+        <p:nvSpPr>
+          <p:cNvPr id="672" name="Прямоугольник 671"/>
+          <p:cNvSpPr/>
+          <p:nvPr/>
+        </p:nvSpPr>
+        <p:spPr>
+          <a:xfrm>
+            <a:off x="-14150639" y="14542232"/>
+            <a:ext cx="2115918" cy="1080000"/>
+          </a:xfrm>
+          <a:prstGeom prst="rect">
+            <a:avLst/>
+          </a:prstGeom>
+          <a:solidFill>
+            <a:srgbClr val="92D050"/>
+          </a:solidFill>
+          <a:ln w="28575"/>
+        </p:spPr>
+        <p:style>
+          <a:lnRef idx="2">
+            <a:schemeClr val="accent1"/>
+          </a:lnRef>
+          <a:fillRef idx="1">
+            <a:schemeClr val="lt1"/>
+          </a:fillRef>
+          <a:effectRef idx="0">
+            <a:schemeClr val="accent1"/>
+          </a:effectRef>
+          <a:fontRef idx="minor">
+            <a:schemeClr val="dk1"/>
+          </a:fontRef>
+        </p:style>
+        <p:txBody>
+          <a:bodyPr lIns="124733" tIns="62367" rIns="124733" bIns="62367" rtlCol="0" anchor="ctr"/>
+          <a:lstStyle/>
+          <a:p>
+            <a:pPr algn="ctr"/>
+            <a:r>
+              <a:rPr lang="ru-RU" sz="1400" dirty="0" smtClean="0"/>
+              <a:t>Воинствующие дервиши</a:t>
+            </a:r>
+            <a:endParaRPr lang="ru-RU" sz="500" dirty="0" smtClean="0"/>
+          </a:p>
+        </p:txBody>
+      </p:sp>
+      <p:cxnSp>
+        <p:nvCxnSpPr>
+          <p:cNvPr id="674" name="Соединительная линия уступом 673"/>
+          <p:cNvCxnSpPr>
+            <a:stCxn id="613" idx="2"/>
+            <a:endCxn id="657" idx="0"/>
+          </p:cNvCxnSpPr>
+          <p:nvPr/>
+        </p:nvCxnSpPr>
+        <p:spPr>
+          <a:xfrm rot="5400000">
+            <a:off x="-11489430" y="12215127"/>
+            <a:ext cx="435585" cy="1210565"/>
+          </a:xfrm>
+          <a:prstGeom prst="bentConnector3">
+            <a:avLst>
+              <a:gd name="adj1" fmla="val 50000"/>
+            </a:avLst>
+          </a:prstGeom>
+          <a:ln w="28575">
+            <a:tailEnd type="arrow"/>
+          </a:ln>
+        </p:spPr>
+        <p:style>
+          <a:lnRef idx="1">
+            <a:schemeClr val="accent1"/>
+          </a:lnRef>
+          <a:fillRef idx="0">
+            <a:schemeClr val="accent1"/>
+          </a:fillRef>
+          <a:effectRef idx="0">
+            <a:schemeClr val="accent1"/>
+          </a:effectRef>
+          <a:fontRef idx="minor">
+            <a:schemeClr val="tx1"/>
+          </a:fontRef>
+        </p:style>
+      </p:cxnSp>
+      <p:cxnSp>
+        <p:nvCxnSpPr>
+          <p:cNvPr id="677" name="Соединительная линия уступом 676"/>
+          <p:cNvCxnSpPr>
+            <a:stCxn id="657" idx="2"/>
+            <a:endCxn id="672" idx="0"/>
+          </p:cNvCxnSpPr>
+          <p:nvPr/>
+        </p:nvCxnSpPr>
+        <p:spPr>
+          <a:xfrm rot="5400000">
+            <a:off x="-12696815" y="13722338"/>
+            <a:ext cx="424030" cy="1215759"/>
+          </a:xfrm>
+          <a:prstGeom prst="bentConnector3">
+            <a:avLst>
+              <a:gd name="adj1" fmla="val 50000"/>
+            </a:avLst>
+          </a:prstGeom>
+          <a:ln w="28575">
+            <a:tailEnd type="arrow"/>
+          </a:ln>
+        </p:spPr>
+        <p:style>
+          <a:lnRef idx="1">
+            <a:schemeClr val="accent1"/>
+          </a:lnRef>
+          <a:fillRef idx="0">
+            <a:schemeClr val="accent1"/>
+          </a:fillRef>
+          <a:effectRef idx="0">
+            <a:schemeClr val="accent1"/>
+          </a:effectRef>
+          <a:fontRef idx="minor">
+            <a:schemeClr val="tx1"/>
+          </a:fontRef>
+        </p:style>
+      </p:cxnSp>
+      <p:cxnSp>
+        <p:nvCxnSpPr>
+          <p:cNvPr id="678" name="Соединительная линия уступом 677"/>
+          <p:cNvCxnSpPr>
+            <a:stCxn id="528" idx="2"/>
+            <a:endCxn id="651" idx="0"/>
+          </p:cNvCxnSpPr>
+          <p:nvPr/>
+        </p:nvCxnSpPr>
+        <p:spPr>
+          <a:xfrm rot="16200000" flipH="1">
+            <a:off x="-5078346" y="17345809"/>
+            <a:ext cx="460755" cy="5184"/>
+          </a:xfrm>
+          <a:prstGeom prst="bentConnector3">
+            <a:avLst>
+              <a:gd name="adj1" fmla="val 50000"/>
+            </a:avLst>
+          </a:prstGeom>
+          <a:ln w="28575">
+            <a:tailEnd type="arrow"/>
+          </a:ln>
+        </p:spPr>
+        <p:style>
+          <a:lnRef idx="1">
+            <a:schemeClr val="accent1"/>
+          </a:lnRef>
+          <a:fillRef idx="0">
+            <a:schemeClr val="accent1"/>
+          </a:fillRef>
+          <a:effectRef idx="0">
+            <a:schemeClr val="accent1"/>
+          </a:effectRef>
+          <a:fontRef idx="minor">
+            <a:schemeClr val="tx1"/>
+          </a:fontRef>
+        </p:style>
+      </p:cxnSp>
+      <p:cxnSp>
+        <p:nvCxnSpPr>
+          <p:cNvPr id="680" name="Соединительная линия уступом 679"/>
+          <p:cNvCxnSpPr>
+            <a:stCxn id="528" idx="2"/>
+            <a:endCxn id="653" idx="0"/>
+          </p:cNvCxnSpPr>
+          <p:nvPr/>
+        </p:nvCxnSpPr>
+        <p:spPr>
+          <a:xfrm rot="16200000" flipH="1">
+            <a:off x="-3922702" y="16190165"/>
+            <a:ext cx="461741" cy="2317458"/>
+          </a:xfrm>
+          <a:prstGeom prst="bentConnector3">
+            <a:avLst>
+              <a:gd name="adj1" fmla="val 50000"/>
+            </a:avLst>
+          </a:prstGeom>
+          <a:ln w="28575">
+            <a:prstDash val="dash"/>
+            <a:tailEnd type="arrow"/>
+          </a:ln>
+        </p:spPr>
+        <p:style>
+          <a:lnRef idx="1">
+            <a:schemeClr val="accent1"/>
+          </a:lnRef>
+          <a:fillRef idx="0">
+            <a:schemeClr val="accent1"/>
+          </a:fillRef>
+          <a:effectRef idx="0">
+            <a:schemeClr val="accent1"/>
+          </a:effectRef>
+          <a:fontRef idx="minor">
+            <a:schemeClr val="tx1"/>
+          </a:fontRef>
+        </p:style>
+      </p:cxnSp>
+      <p:cxnSp>
+        <p:nvCxnSpPr>
+          <p:cNvPr id="681" name="Соединительная линия уступом 680"/>
+          <p:cNvCxnSpPr>
+            <a:stCxn id="629" idx="2"/>
+            <a:endCxn id="653" idx="0"/>
+          </p:cNvCxnSpPr>
+          <p:nvPr/>
+        </p:nvCxnSpPr>
+        <p:spPr>
+          <a:xfrm rot="16200000" flipH="1">
+            <a:off x="-4042025" y="16070842"/>
+            <a:ext cx="1954841" cy="1063003"/>
+          </a:xfrm>
+          <a:prstGeom prst="bentConnector3">
+            <a:avLst>
+              <a:gd name="adj1" fmla="val 10610"/>
+            </a:avLst>
+          </a:prstGeom>
+          <a:ln w="28575">
+            <a:prstDash val="dash"/>
             <a:tailEnd type="arrow"/>
           </a:ln>
         </p:spPr>

--- a/Наработки/диздоки/Албания/Албания.pptx
+++ b/Наработки/диздоки/Албания/Албания.pptx
@@ -109,7 +109,7 @@
   </p:defaultTextStyle>
   <p:extLst>
     <p:ext uri="{EFAFB233-063F-42B5-8137-9DF3F51BA10A}">
-      <p15:sldGuideLst xmlns:p15="http://schemas.microsoft.com/office/powerpoint/2012/main">
+      <p15:sldGuideLst xmlns:p15="http://schemas.microsoft.com/office/powerpoint/2012/main" xmlns="">
         <p15:guide id="1" orient="horz" pos="11344">
           <p15:clr>
             <a:srgbClr val="A4A3A4"/>
@@ -209,7 +209,7 @@
             <a:fld id="{33E3D7F9-E251-484C-A6FF-FA958879DF69}" type="datetimeFigureOut">
               <a:rPr lang="ru-RU" smtClean="0"/>
               <a:pPr/>
-              <a:t>02.08.2021</a:t>
+              <a:t>18.12.2023</a:t>
             </a:fld>
             <a:endParaRPr lang="ru-RU"/>
           </a:p>
@@ -700,7 +700,7 @@
             <a:fld id="{85A5DE44-605B-4D3B-B2B7-94543DF81A36}" type="datetimeFigureOut">
               <a:rPr lang="ru-RU" smtClean="0"/>
               <a:pPr/>
-              <a:t>02.08.2021</a:t>
+              <a:t>18.12.2023</a:t>
             </a:fld>
             <a:endParaRPr lang="ru-RU"/>
           </a:p>
@@ -872,7 +872,7 @@
             <a:fld id="{85A5DE44-605B-4D3B-B2B7-94543DF81A36}" type="datetimeFigureOut">
               <a:rPr lang="ru-RU" smtClean="0"/>
               <a:pPr/>
-              <a:t>02.08.2021</a:t>
+              <a:t>18.12.2023</a:t>
             </a:fld>
             <a:endParaRPr lang="ru-RU"/>
           </a:p>
@@ -1054,7 +1054,7 @@
             <a:fld id="{85A5DE44-605B-4D3B-B2B7-94543DF81A36}" type="datetimeFigureOut">
               <a:rPr lang="ru-RU" smtClean="0"/>
               <a:pPr/>
-              <a:t>02.08.2021</a:t>
+              <a:t>18.12.2023</a:t>
             </a:fld>
             <a:endParaRPr lang="ru-RU"/>
           </a:p>
@@ -1226,7 +1226,7 @@
             <a:fld id="{85A5DE44-605B-4D3B-B2B7-94543DF81A36}" type="datetimeFigureOut">
               <a:rPr lang="ru-RU" smtClean="0"/>
               <a:pPr/>
-              <a:t>02.08.2021</a:t>
+              <a:t>18.12.2023</a:t>
             </a:fld>
             <a:endParaRPr lang="ru-RU"/>
           </a:p>
@@ -1474,7 +1474,7 @@
             <a:fld id="{85A5DE44-605B-4D3B-B2B7-94543DF81A36}" type="datetimeFigureOut">
               <a:rPr lang="ru-RU" smtClean="0"/>
               <a:pPr/>
-              <a:t>02.08.2021</a:t>
+              <a:t>18.12.2023</a:t>
             </a:fld>
             <a:endParaRPr lang="ru-RU"/>
           </a:p>
@@ -1708,7 +1708,7 @@
             <a:fld id="{85A5DE44-605B-4D3B-B2B7-94543DF81A36}" type="datetimeFigureOut">
               <a:rPr lang="ru-RU" smtClean="0"/>
               <a:pPr/>
-              <a:t>02.08.2021</a:t>
+              <a:t>18.12.2023</a:t>
             </a:fld>
             <a:endParaRPr lang="ru-RU"/>
           </a:p>
@@ -2077,7 +2077,7 @@
             <a:fld id="{85A5DE44-605B-4D3B-B2B7-94543DF81A36}" type="datetimeFigureOut">
               <a:rPr lang="ru-RU" smtClean="0"/>
               <a:pPr/>
-              <a:t>02.08.2021</a:t>
+              <a:t>18.12.2023</a:t>
             </a:fld>
             <a:endParaRPr lang="ru-RU"/>
           </a:p>
@@ -2197,7 +2197,7 @@
             <a:fld id="{85A5DE44-605B-4D3B-B2B7-94543DF81A36}" type="datetimeFigureOut">
               <a:rPr lang="ru-RU" smtClean="0"/>
               <a:pPr/>
-              <a:t>02.08.2021</a:t>
+              <a:t>18.12.2023</a:t>
             </a:fld>
             <a:endParaRPr lang="ru-RU"/>
           </a:p>
@@ -2294,7 +2294,7 @@
             <a:fld id="{85A5DE44-605B-4D3B-B2B7-94543DF81A36}" type="datetimeFigureOut">
               <a:rPr lang="ru-RU" smtClean="0"/>
               <a:pPr/>
-              <a:t>02.08.2021</a:t>
+              <a:t>18.12.2023</a:t>
             </a:fld>
             <a:endParaRPr lang="ru-RU"/>
           </a:p>
@@ -2573,7 +2573,7 @@
             <a:fld id="{85A5DE44-605B-4D3B-B2B7-94543DF81A36}" type="datetimeFigureOut">
               <a:rPr lang="ru-RU" smtClean="0"/>
               <a:pPr/>
-              <a:t>02.08.2021</a:t>
+              <a:t>18.12.2023</a:t>
             </a:fld>
             <a:endParaRPr lang="ru-RU"/>
           </a:p>
@@ -2832,7 +2832,7 @@
             <a:fld id="{85A5DE44-605B-4D3B-B2B7-94543DF81A36}" type="datetimeFigureOut">
               <a:rPr lang="ru-RU" smtClean="0"/>
               <a:pPr/>
-              <a:t>02.08.2021</a:t>
+              <a:t>18.12.2023</a:t>
             </a:fld>
             <a:endParaRPr lang="ru-RU"/>
           </a:p>
@@ -3047,7 +3047,7 @@
             <a:fld id="{85A5DE44-605B-4D3B-B2B7-94543DF81A36}" type="datetimeFigureOut">
               <a:rPr lang="ru-RU" smtClean="0"/>
               <a:pPr/>
-              <a:t>02.08.2021</a:t>
+              <a:t>18.12.2023</a:t>
             </a:fld>
             <a:endParaRPr lang="ru-RU"/>
           </a:p>
@@ -26289,13 +26289,14 @@
           <p:cNvPr id="453" name="Соединительная линия уступом 452"/>
           <p:cNvCxnSpPr>
             <a:stCxn id="585" idx="2"/>
+            <a:endCxn id="242" idx="0"/>
           </p:cNvCxnSpPr>
           <p:nvPr/>
         </p:nvCxnSpPr>
         <p:spPr>
           <a:xfrm rot="5400000">
-            <a:off x="44064517" y="18172670"/>
-            <a:ext cx="3143124" cy="1057959"/>
+            <a:off x="44650397" y="16004520"/>
+            <a:ext cx="389094" cy="2640228"/>
           </a:xfrm>
           <a:prstGeom prst="bentConnector3">
             <a:avLst>
@@ -30959,11 +30960,7 @@
             <a:pPr algn="ctr"/>
             <a:r>
               <a:rPr lang="ru-RU" sz="1400" dirty="0" smtClean="0"/>
-              <a:t>Объединить албанцев общей </a:t>
-            </a:r>
-            <a:r>
-              <a:rPr lang="ru-RU" sz="1400" dirty="0" smtClean="0"/>
-              <a:t>идеей</a:t>
+              <a:t>Объединить албанцев общей идеей</a:t>
             </a:r>
             <a:endParaRPr lang="ru-RU" sz="100" dirty="0" smtClean="0"/>
           </a:p>
@@ -32194,7 +32191,7 @@
   <a:extraClrSchemeLst/>
   <a:extLst>
     <a:ext uri="{05A4C25C-085E-4340-85A3-A5531E510DB2}">
-      <thm15:themeFamily xmlns:thm15="http://schemas.microsoft.com/office/thememl/2012/main" name="Office Theme" id="{62F939B6-93AF-4DB8-9C6B-D6C7DFDC589F}" vid="{4A3C46E8-61CC-4603-A589-7422A47A8E4A}"/>
+      <thm15:themeFamily xmlns:thm15="http://schemas.microsoft.com/office/thememl/2012/main" xmlns="" name="Office Theme" id="{62F939B6-93AF-4DB8-9C6B-D6C7DFDC589F}" vid="{4A3C46E8-61CC-4603-A589-7422A47A8E4A}"/>
     </a:ext>
   </a:extLst>
 </a:theme>
@@ -32455,7 +32452,7 @@
   <a:extraClrSchemeLst/>
   <a:extLst>
     <a:ext uri="{05A4C25C-085E-4340-85A3-A5531E510DB2}">
-      <thm15:themeFamily xmlns:thm15="http://schemas.microsoft.com/office/thememl/2012/main" name="Office Theme" id="{62F939B6-93AF-4DB8-9C6B-D6C7DFDC589F}" vid="{4A3C46E8-61CC-4603-A589-7422A47A8E4A}"/>
+      <thm15:themeFamily xmlns:thm15="http://schemas.microsoft.com/office/thememl/2012/main" xmlns="" name="Office Theme" id="{62F939B6-93AF-4DB8-9C6B-D6C7DFDC589F}" vid="{4A3C46E8-61CC-4603-A589-7422A47A8E4A}"/>
     </a:ext>
   </a:extLst>
 </a:theme>
